--- a/images/icons.pptx
+++ b/images/icons.pptx
@@ -7,6 +7,7 @@
   <p:sldIdLst>
     <p:sldId id="256" r:id="rId2"/>
     <p:sldId id="257" r:id="rId3"/>
+    <p:sldId id="258" r:id="rId4"/>
   </p:sldIdLst>
   <p:sldSz cx="12192000" cy="6858000"/>
   <p:notesSz cx="6858000" cy="9144000"/>
@@ -4079,15 +4080,6 @@
           <p:blipFill rotWithShape="1">
             <a:blip r:embed="rId16" cstate="print">
               <a:extLst>
-                <a:ext uri="{BEBA8EAE-BF5A-486C-A8C5-ECC9F3942E4B}">
-                  <a14:imgProps xmlns:a14="http://schemas.microsoft.com/office/drawing/2010/main">
-                    <a14:imgLayer r:embed="rId17">
-                      <a14:imgEffect>
-                        <a14:brightnessContrast bright="40000"/>
-                      </a14:imgEffect>
-                    </a14:imgLayer>
-                  </a14:imgProps>
-                </a:ext>
                 <a:ext uri="{28A0092B-C50C-407E-A947-70E740481C1C}">
                   <a14:useLocalDpi xmlns:a14="http://schemas.microsoft.com/office/drawing/2010/main" val="0"/>
                 </a:ext>
@@ -4191,7 +4183,7 @@
             <p:nvPr/>
           </p:nvPicPr>
           <p:blipFill>
-            <a:blip r:embed="rId18" cstate="print">
+            <a:blip r:embed="rId17" cstate="print">
               <a:extLst>
                 <a:ext uri="{28A0092B-C50C-407E-A947-70E740481C1C}">
                   <a14:useLocalDpi xmlns:a14="http://schemas.microsoft.com/office/drawing/2010/main" val="0"/>
@@ -4256,27 +4248,27 @@
       </p:grpSpPr>
       <p:grpSp>
         <p:nvGrpSpPr>
-          <p:cNvPr id="5" name="Gruppo 4"/>
+          <p:cNvPr id="14" name="Gruppo 13"/>
           <p:cNvGrpSpPr/>
           <p:nvPr/>
         </p:nvGrpSpPr>
         <p:grpSpPr>
           <a:xfrm>
-            <a:off x="2249509" y="1385399"/>
-            <a:ext cx="5374530" cy="2651432"/>
-            <a:chOff x="2249509" y="1385399"/>
-            <a:chExt cx="5374530" cy="2651432"/>
+            <a:off x="1206646" y="3621134"/>
+            <a:ext cx="9557775" cy="2651432"/>
+            <a:chOff x="1270280" y="1401441"/>
+            <a:chExt cx="9557775" cy="2651432"/>
           </a:xfrm>
         </p:grpSpPr>
         <p:sp>
           <p:nvSpPr>
-            <p:cNvPr id="4" name="Freccia a destra 3"/>
+            <p:cNvPr id="15" name="Freccia a destra 14"/>
             <p:cNvSpPr/>
             <p:nvPr/>
           </p:nvSpPr>
           <p:spPr>
             <a:xfrm>
-              <a:off x="5719012" y="2430379"/>
+              <a:off x="8053139" y="2446421"/>
               <a:ext cx="609600" cy="433137"/>
             </a:xfrm>
             <a:prstGeom prst="rightArrow">
@@ -4308,7 +4300,7 @@
         </p:sp>
         <p:pic>
           <p:nvPicPr>
-            <p:cNvPr id="1028" name="Picture 4" descr="http://xmldataset.readthedocs.org/en/latest/_static/xmldataset-logo.png"/>
+            <p:cNvPr id="16" name="Picture 4" descr="http://xmldataset.readthedocs.org/en/latest/_static/xmldataset-logo.png"/>
             <p:cNvPicPr>
               <a:picLocks noChangeAspect="1" noChangeArrowheads="1"/>
             </p:cNvPicPr>
@@ -4341,7 +4333,605 @@
           </p:blipFill>
           <p:spPr bwMode="auto">
             <a:xfrm>
-              <a:off x="6723509" y="2196682"/>
+              <a:off x="2015152" y="2212723"/>
+              <a:ext cx="900530" cy="900530"/>
+            </a:xfrm>
+            <a:prstGeom prst="rect">
+              <a:avLst/>
+            </a:prstGeom>
+            <a:noFill/>
+            <a:extLst>
+              <a:ext uri="{909E8E84-426E-40DD-AFC4-6F175D3DCCD1}">
+                <a14:hiddenFill xmlns:a14="http://schemas.microsoft.com/office/drawing/2010/main">
+                  <a:solidFill>
+                    <a:srgbClr val="FFFFFF"/>
+                  </a:solidFill>
+                </a14:hiddenFill>
+              </a:ext>
+            </a:extLst>
+          </p:spPr>
+        </p:pic>
+        <p:pic>
+          <p:nvPicPr>
+            <p:cNvPr id="17" name="Immagine 16"/>
+            <p:cNvPicPr>
+              <a:picLocks noChangeAspect="1"/>
+            </p:cNvPicPr>
+            <p:nvPr/>
+          </p:nvPicPr>
+          <p:blipFill rotWithShape="1">
+            <a:blip r:embed="rId4" cstate="print">
+              <a:extLst>
+                <a:ext uri="{28A0092B-C50C-407E-A947-70E740481C1C}">
+                  <a14:useLocalDpi xmlns:a14="http://schemas.microsoft.com/office/drawing/2010/main" val="0"/>
+                </a:ext>
+              </a:extLst>
+            </a:blip>
+            <a:srcRect l="9562" r="5611"/>
+            <a:stretch/>
+          </p:blipFill>
+          <p:spPr>
+            <a:xfrm>
+              <a:off x="4583636" y="1401441"/>
+              <a:ext cx="3007360" cy="2651432"/>
+            </a:xfrm>
+            <a:prstGeom prst="rect">
+              <a:avLst/>
+            </a:prstGeom>
+          </p:spPr>
+        </p:pic>
+        <p:sp>
+          <p:nvSpPr>
+            <p:cNvPr id="18" name="Freccia a destra 17"/>
+            <p:cNvSpPr/>
+            <p:nvPr/>
+          </p:nvSpPr>
+          <p:spPr>
+            <a:xfrm>
+              <a:off x="3312511" y="2446420"/>
+              <a:ext cx="609600" cy="433137"/>
+            </a:xfrm>
+            <a:prstGeom prst="rightArrow">
+              <a:avLst/>
+            </a:prstGeom>
+          </p:spPr>
+          <p:style>
+            <a:lnRef idx="1">
+              <a:schemeClr val="accent3"/>
+            </a:lnRef>
+            <a:fillRef idx="3">
+              <a:schemeClr val="accent3"/>
+            </a:fillRef>
+            <a:effectRef idx="2">
+              <a:schemeClr val="accent3"/>
+            </a:effectRef>
+            <a:fontRef idx="minor">
+              <a:schemeClr val="lt1"/>
+            </a:fontRef>
+          </p:style>
+          <p:txBody>
+            <a:bodyPr rtlCol="0" anchor="ctr"/>
+            <a:lstStyle/>
+            <a:p>
+              <a:pPr algn="ctr"/>
+              <a:endParaRPr lang="it-IT"/>
+            </a:p>
+          </p:txBody>
+        </p:sp>
+        <p:pic>
+          <p:nvPicPr>
+            <p:cNvPr id="19" name="Picture 4" descr="http://xmldataset.readthedocs.org/en/latest/_static/xmldataset-logo.png"/>
+            <p:cNvPicPr>
+              <a:picLocks noChangeAspect="1" noChangeArrowheads="1"/>
+            </p:cNvPicPr>
+            <p:nvPr/>
+          </p:nvPicPr>
+          <p:blipFill>
+            <a:blip r:embed="rId2" cstate="print">
+              <a:extLst>
+                <a:ext uri="{BEBA8EAE-BF5A-486C-A8C5-ECC9F3942E4B}">
+                  <a14:imgProps xmlns:a14="http://schemas.microsoft.com/office/drawing/2010/main">
+                    <a14:imgLayer r:embed="rId3">
+                      <a14:imgEffect>
+                        <a14:artisticCrisscrossEtching/>
+                      </a14:imgEffect>
+                      <a14:imgEffect>
+                        <a14:saturation sat="0"/>
+                      </a14:imgEffect>
+                    </a14:imgLayer>
+                  </a14:imgProps>
+                </a:ext>
+                <a:ext uri="{28A0092B-C50C-407E-A947-70E740481C1C}">
+                  <a14:useLocalDpi xmlns:a14="http://schemas.microsoft.com/office/drawing/2010/main" val="0"/>
+                </a:ext>
+              </a:extLst>
+            </a:blip>
+            <a:srcRect/>
+            <a:stretch>
+              <a:fillRect/>
+            </a:stretch>
+          </p:blipFill>
+          <p:spPr bwMode="auto">
+            <a:xfrm>
+              <a:off x="9120900" y="2212723"/>
+              <a:ext cx="900530" cy="900530"/>
+            </a:xfrm>
+            <a:prstGeom prst="rect">
+              <a:avLst/>
+            </a:prstGeom>
+            <a:noFill/>
+            <a:extLst>
+              <a:ext uri="{909E8E84-426E-40DD-AFC4-6F175D3DCCD1}">
+                <a14:hiddenFill xmlns:a14="http://schemas.microsoft.com/office/drawing/2010/main">
+                  <a:solidFill>
+                    <a:srgbClr val="FFFFFF"/>
+                  </a:solidFill>
+                </a14:hiddenFill>
+              </a:ext>
+            </a:extLst>
+          </p:spPr>
+        </p:pic>
+        <p:sp>
+          <p:nvSpPr>
+            <p:cNvPr id="20" name="Rettangolo 19"/>
+            <p:cNvSpPr/>
+            <p:nvPr/>
+          </p:nvSpPr>
+          <p:spPr>
+            <a:xfrm>
+              <a:off x="1270280" y="3232484"/>
+              <a:ext cx="2390274" cy="336885"/>
+            </a:xfrm>
+            <a:prstGeom prst="rect">
+              <a:avLst/>
+            </a:prstGeom>
+            <a:noFill/>
+            <a:ln>
+              <a:noFill/>
+            </a:ln>
+          </p:spPr>
+          <p:style>
+            <a:lnRef idx="2">
+              <a:schemeClr val="accent1">
+                <a:shade val="50000"/>
+              </a:schemeClr>
+            </a:lnRef>
+            <a:fillRef idx="1">
+              <a:schemeClr val="accent1"/>
+            </a:fillRef>
+            <a:effectRef idx="0">
+              <a:schemeClr val="accent1"/>
+            </a:effectRef>
+            <a:fontRef idx="minor">
+              <a:schemeClr val="lt1"/>
+            </a:fontRef>
+          </p:style>
+          <p:txBody>
+            <a:bodyPr rtlCol="0" anchor="ctr"/>
+            <a:lstStyle/>
+            <a:p>
+              <a:pPr algn="ctr"/>
+              <a:r>
+                <a:rPr lang="it-IT" smtClean="0">
+                  <a:solidFill>
+                    <a:schemeClr val="tx1"/>
+                  </a:solidFill>
+                  <a:latin typeface="Courier New" panose="02070309020205020404" pitchFamily="49" charset="0"/>
+                  <a:cs typeface="Courier New" panose="02070309020205020404" pitchFamily="49" charset="0"/>
+                </a:rPr>
+                <a:t>xml_import.xml</a:t>
+              </a:r>
+              <a:endParaRPr lang="it-IT">
+                <a:solidFill>
+                  <a:schemeClr val="tx1"/>
+                </a:solidFill>
+                <a:latin typeface="Courier New" panose="02070309020205020404" pitchFamily="49" charset="0"/>
+                <a:cs typeface="Courier New" panose="02070309020205020404" pitchFamily="49" charset="0"/>
+              </a:endParaRPr>
+            </a:p>
+          </p:txBody>
+        </p:sp>
+        <p:sp>
+          <p:nvSpPr>
+            <p:cNvPr id="21" name="Rettangolo 20"/>
+            <p:cNvSpPr/>
+            <p:nvPr/>
+          </p:nvSpPr>
+          <p:spPr>
+            <a:xfrm>
+              <a:off x="8314274" y="3232483"/>
+              <a:ext cx="2513781" cy="336885"/>
+            </a:xfrm>
+            <a:prstGeom prst="rect">
+              <a:avLst/>
+            </a:prstGeom>
+            <a:noFill/>
+            <a:ln>
+              <a:noFill/>
+            </a:ln>
+          </p:spPr>
+          <p:style>
+            <a:lnRef idx="2">
+              <a:schemeClr val="accent1">
+                <a:shade val="50000"/>
+              </a:schemeClr>
+            </a:lnRef>
+            <a:fillRef idx="1">
+              <a:schemeClr val="accent1"/>
+            </a:fillRef>
+            <a:effectRef idx="0">
+              <a:schemeClr val="accent1"/>
+            </a:effectRef>
+            <a:fontRef idx="minor">
+              <a:schemeClr val="lt1"/>
+            </a:fontRef>
+          </p:style>
+          <p:txBody>
+            <a:bodyPr rtlCol="0" anchor="ctr"/>
+            <a:lstStyle/>
+            <a:p>
+              <a:pPr algn="ctr"/>
+              <a:r>
+                <a:rPr lang="it-IT" smtClean="0">
+                  <a:solidFill>
+                    <a:schemeClr val="tx1"/>
+                  </a:solidFill>
+                  <a:latin typeface="Courier New" panose="02070309020205020404" pitchFamily="49" charset="0"/>
+                  <a:cs typeface="Courier New" panose="02070309020205020404" pitchFamily="49" charset="0"/>
+                </a:rPr>
+                <a:t>xml_displcomp.xml</a:t>
+              </a:r>
+              <a:endParaRPr lang="it-IT">
+                <a:solidFill>
+                  <a:schemeClr val="tx1"/>
+                </a:solidFill>
+                <a:latin typeface="Courier New" panose="02070309020205020404" pitchFamily="49" charset="0"/>
+                <a:cs typeface="Courier New" panose="02070309020205020404" pitchFamily="49" charset="0"/>
+              </a:endParaRPr>
+            </a:p>
+          </p:txBody>
+        </p:sp>
+      </p:grpSp>
+      <p:grpSp>
+        <p:nvGrpSpPr>
+          <p:cNvPr id="11" name="Gruppo 10"/>
+          <p:cNvGrpSpPr/>
+          <p:nvPr/>
+        </p:nvGrpSpPr>
+        <p:grpSpPr>
+          <a:xfrm>
+            <a:off x="4826804" y="547481"/>
+            <a:ext cx="6041891" cy="2381893"/>
+            <a:chOff x="4786164" y="1472041"/>
+            <a:chExt cx="6041891" cy="2381893"/>
+          </a:xfrm>
+        </p:grpSpPr>
+        <p:grpSp>
+          <p:nvGrpSpPr>
+            <p:cNvPr id="8" name="Gruppo 7"/>
+            <p:cNvGrpSpPr/>
+            <p:nvPr/>
+          </p:nvGrpSpPr>
+          <p:grpSpPr>
+            <a:xfrm>
+              <a:off x="8053139" y="2212723"/>
+              <a:ext cx="2774916" cy="1356645"/>
+              <a:chOff x="8053139" y="2212723"/>
+              <a:chExt cx="2774916" cy="1356645"/>
+            </a:xfrm>
+          </p:grpSpPr>
+          <p:sp>
+            <p:nvSpPr>
+              <p:cNvPr id="4" name="Freccia a destra 3"/>
+              <p:cNvSpPr/>
+              <p:nvPr/>
+            </p:nvSpPr>
+            <p:spPr>
+              <a:xfrm>
+                <a:off x="8053139" y="2446421"/>
+                <a:ext cx="609600" cy="433137"/>
+              </a:xfrm>
+              <a:prstGeom prst="rightArrow">
+                <a:avLst/>
+              </a:prstGeom>
+            </p:spPr>
+            <p:style>
+              <a:lnRef idx="1">
+                <a:schemeClr val="accent3"/>
+              </a:lnRef>
+              <a:fillRef idx="3">
+                <a:schemeClr val="accent3"/>
+              </a:fillRef>
+              <a:effectRef idx="2">
+                <a:schemeClr val="accent3"/>
+              </a:effectRef>
+              <a:fontRef idx="minor">
+                <a:schemeClr val="lt1"/>
+              </a:fontRef>
+            </p:style>
+            <p:txBody>
+              <a:bodyPr rtlCol="0" anchor="ctr"/>
+              <a:lstStyle/>
+              <a:p>
+                <a:pPr algn="ctr"/>
+                <a:endParaRPr lang="it-IT"/>
+              </a:p>
+            </p:txBody>
+          </p:sp>
+          <p:pic>
+            <p:nvPicPr>
+              <p:cNvPr id="10" name="Picture 4" descr="http://xmldataset.readthedocs.org/en/latest/_static/xmldataset-logo.png"/>
+              <p:cNvPicPr>
+                <a:picLocks noChangeAspect="1" noChangeArrowheads="1"/>
+              </p:cNvPicPr>
+              <p:nvPr/>
+            </p:nvPicPr>
+            <p:blipFill>
+              <a:blip r:embed="rId2" cstate="print">
+                <a:extLst>
+                  <a:ext uri="{BEBA8EAE-BF5A-486C-A8C5-ECC9F3942E4B}">
+                    <a14:imgProps xmlns:a14="http://schemas.microsoft.com/office/drawing/2010/main">
+                      <a14:imgLayer r:embed="rId3">
+                        <a14:imgEffect>
+                          <a14:artisticCrisscrossEtching/>
+                        </a14:imgEffect>
+                        <a14:imgEffect>
+                          <a14:saturation sat="0"/>
+                        </a14:imgEffect>
+                      </a14:imgLayer>
+                    </a14:imgProps>
+                  </a:ext>
+                  <a:ext uri="{28A0092B-C50C-407E-A947-70E740481C1C}">
+                    <a14:useLocalDpi xmlns:a14="http://schemas.microsoft.com/office/drawing/2010/main" val="0"/>
+                  </a:ext>
+                </a:extLst>
+              </a:blip>
+              <a:srcRect/>
+              <a:stretch>
+                <a:fillRect/>
+              </a:stretch>
+            </p:blipFill>
+            <p:spPr bwMode="auto">
+              <a:xfrm>
+                <a:off x="9120900" y="2212723"/>
+                <a:ext cx="900530" cy="900530"/>
+              </a:xfrm>
+              <a:prstGeom prst="rect">
+                <a:avLst/>
+              </a:prstGeom>
+              <a:noFill/>
+              <a:extLst>
+                <a:ext uri="{909E8E84-426E-40DD-AFC4-6F175D3DCCD1}">
+                  <a14:hiddenFill xmlns:a14="http://schemas.microsoft.com/office/drawing/2010/main">
+                    <a:solidFill>
+                      <a:srgbClr val="FFFFFF"/>
+                    </a:solidFill>
+                  </a14:hiddenFill>
+                </a:ext>
+              </a:extLst>
+            </p:spPr>
+          </p:pic>
+          <p:sp>
+            <p:nvSpPr>
+              <p:cNvPr id="12" name="Rettangolo 11"/>
+              <p:cNvSpPr/>
+              <p:nvPr/>
+            </p:nvSpPr>
+            <p:spPr>
+              <a:xfrm>
+                <a:off x="8314274" y="3232483"/>
+                <a:ext cx="2513781" cy="336885"/>
+              </a:xfrm>
+              <a:prstGeom prst="rect">
+                <a:avLst/>
+              </a:prstGeom>
+              <a:noFill/>
+              <a:ln>
+                <a:noFill/>
+              </a:ln>
+            </p:spPr>
+            <p:style>
+              <a:lnRef idx="2">
+                <a:schemeClr val="accent1">
+                  <a:shade val="50000"/>
+                </a:schemeClr>
+              </a:lnRef>
+              <a:fillRef idx="1">
+                <a:schemeClr val="accent1"/>
+              </a:fillRef>
+              <a:effectRef idx="0">
+                <a:schemeClr val="accent1"/>
+              </a:effectRef>
+              <a:fontRef idx="minor">
+                <a:schemeClr val="lt1"/>
+              </a:fontRef>
+            </p:style>
+            <p:txBody>
+              <a:bodyPr rtlCol="0" anchor="ctr"/>
+              <a:lstStyle/>
+              <a:p>
+                <a:pPr algn="ctr"/>
+                <a:r>
+                  <a:rPr lang="it-IT" smtClean="0">
+                    <a:solidFill>
+                      <a:schemeClr val="tx1"/>
+                    </a:solidFill>
+                    <a:latin typeface="Courier New" panose="02070309020205020404" pitchFamily="49" charset="0"/>
+                    <a:cs typeface="Courier New" panose="02070309020205020404" pitchFamily="49" charset="0"/>
+                  </a:rPr>
+                  <a:t>xml_import.xml</a:t>
+                </a:r>
+                <a:endParaRPr lang="it-IT">
+                  <a:solidFill>
+                    <a:schemeClr val="tx1"/>
+                  </a:solidFill>
+                  <a:latin typeface="Courier New" panose="02070309020205020404" pitchFamily="49" charset="0"/>
+                  <a:cs typeface="Courier New" panose="02070309020205020404" pitchFamily="49" charset="0"/>
+                </a:endParaRPr>
+              </a:p>
+            </p:txBody>
+          </p:sp>
+        </p:grpSp>
+        <p:pic>
+          <p:nvPicPr>
+            <p:cNvPr id="1030" name="Picture 6" descr="https://raw.githubusercontent.com/abria/TeraStitcher/gh-pages/images/pipeline-import.png"/>
+            <p:cNvPicPr>
+              <a:picLocks noChangeAspect="1" noChangeArrowheads="1"/>
+            </p:cNvPicPr>
+            <p:nvPr/>
+          </p:nvPicPr>
+          <p:blipFill>
+            <a:blip r:embed="rId5">
+              <a:extLst>
+                <a:ext uri="{28A0092B-C50C-407E-A947-70E740481C1C}">
+                  <a14:useLocalDpi xmlns:a14="http://schemas.microsoft.com/office/drawing/2010/main" val="0"/>
+                </a:ext>
+              </a:extLst>
+            </a:blip>
+            <a:srcRect/>
+            <a:stretch>
+              <a:fillRect/>
+            </a:stretch>
+          </p:blipFill>
+          <p:spPr bwMode="auto">
+            <a:xfrm>
+              <a:off x="4786164" y="1472041"/>
+              <a:ext cx="2700558" cy="2381893"/>
+            </a:xfrm>
+            <a:prstGeom prst="rect">
+              <a:avLst/>
+            </a:prstGeom>
+            <a:noFill/>
+            <a:extLst>
+              <a:ext uri="{909E8E84-426E-40DD-AFC4-6F175D3DCCD1}">
+                <a14:hiddenFill xmlns:a14="http://schemas.microsoft.com/office/drawing/2010/main">
+                  <a:solidFill>
+                    <a:srgbClr val="FFFFFF"/>
+                  </a:solidFill>
+                </a14:hiddenFill>
+              </a:ext>
+            </a:extLst>
+          </p:spPr>
+        </p:pic>
+      </p:grpSp>
+    </p:spTree>
+    <p:extLst>
+      <p:ext uri="{BB962C8B-B14F-4D97-AF65-F5344CB8AC3E}">
+        <p14:creationId xmlns:p14="http://schemas.microsoft.com/office/powerpoint/2010/main" val="1697725394"/>
+      </p:ext>
+    </p:extLst>
+  </p:cSld>
+  <p:clrMapOvr>
+    <a:masterClrMapping/>
+  </p:clrMapOvr>
+</p:sld>
+</file>
+
+<file path=ppt/slides/slide3.xml><?xml version="1.0" encoding="utf-8"?>
+<p:sld xmlns:a="http://schemas.openxmlformats.org/drawingml/2006/main" xmlns:r="http://schemas.openxmlformats.org/officeDocument/2006/relationships" xmlns:p="http://schemas.openxmlformats.org/presentationml/2006/main">
+  <p:cSld>
+    <p:spTree>
+      <p:nvGrpSpPr>
+        <p:cNvPr id="1" name=""/>
+        <p:cNvGrpSpPr/>
+        <p:nvPr/>
+      </p:nvGrpSpPr>
+      <p:grpSpPr>
+        <a:xfrm>
+          <a:off x="0" y="0"/>
+          <a:ext cx="0" cy="0"/>
+          <a:chOff x="0" y="0"/>
+          <a:chExt cx="0" cy="0"/>
+        </a:xfrm>
+      </p:grpSpPr>
+      <p:grpSp>
+        <p:nvGrpSpPr>
+          <p:cNvPr id="4" name="Gruppo 3"/>
+          <p:cNvGrpSpPr/>
+          <p:nvPr/>
+        </p:nvGrpSpPr>
+        <p:grpSpPr>
+          <a:xfrm>
+            <a:off x="1136723" y="3621134"/>
+            <a:ext cx="9627698" cy="2651432"/>
+            <a:chOff x="1200357" y="1401441"/>
+            <a:chExt cx="9627698" cy="2651432"/>
+          </a:xfrm>
+        </p:grpSpPr>
+        <p:sp>
+          <p:nvSpPr>
+            <p:cNvPr id="5" name="Freccia a destra 4"/>
+            <p:cNvSpPr/>
+            <p:nvPr/>
+          </p:nvSpPr>
+          <p:spPr>
+            <a:xfrm>
+              <a:off x="8053139" y="2446421"/>
+              <a:ext cx="609600" cy="433137"/>
+            </a:xfrm>
+            <a:prstGeom prst="rightArrow">
+              <a:avLst/>
+            </a:prstGeom>
+          </p:spPr>
+          <p:style>
+            <a:lnRef idx="1">
+              <a:schemeClr val="accent3"/>
+            </a:lnRef>
+            <a:fillRef idx="3">
+              <a:schemeClr val="accent3"/>
+            </a:fillRef>
+            <a:effectRef idx="2">
+              <a:schemeClr val="accent3"/>
+            </a:effectRef>
+            <a:fontRef idx="minor">
+              <a:schemeClr val="lt1"/>
+            </a:fontRef>
+          </p:style>
+          <p:txBody>
+            <a:bodyPr rtlCol="0" anchor="ctr"/>
+            <a:lstStyle/>
+            <a:p>
+              <a:pPr algn="ctr"/>
+              <a:endParaRPr lang="it-IT"/>
+            </a:p>
+          </p:txBody>
+        </p:sp>
+        <p:pic>
+          <p:nvPicPr>
+            <p:cNvPr id="6" name="Picture 4" descr="http://xmldataset.readthedocs.org/en/latest/_static/xmldataset-logo.png"/>
+            <p:cNvPicPr>
+              <a:picLocks noChangeAspect="1" noChangeArrowheads="1"/>
+            </p:cNvPicPr>
+            <p:nvPr/>
+          </p:nvPicPr>
+          <p:blipFill>
+            <a:blip r:embed="rId2" cstate="print">
+              <a:extLst>
+                <a:ext uri="{BEBA8EAE-BF5A-486C-A8C5-ECC9F3942E4B}">
+                  <a14:imgProps xmlns:a14="http://schemas.microsoft.com/office/drawing/2010/main">
+                    <a14:imgLayer r:embed="rId3">
+                      <a14:imgEffect>
+                        <a14:artisticCrisscrossEtching/>
+                      </a14:imgEffect>
+                      <a14:imgEffect>
+                        <a14:saturation sat="0"/>
+                      </a14:imgEffect>
+                    </a14:imgLayer>
+                  </a14:imgProps>
+                </a:ext>
+                <a:ext uri="{28A0092B-C50C-407E-A947-70E740481C1C}">
+                  <a14:useLocalDpi xmlns:a14="http://schemas.microsoft.com/office/drawing/2010/main" val="0"/>
+                </a:ext>
+              </a:extLst>
+            </a:blip>
+            <a:srcRect/>
+            <a:stretch>
+              <a:fillRect/>
+            </a:stretch>
+          </p:blipFill>
+          <p:spPr bwMode="auto">
+            <a:xfrm>
+              <a:off x="2015152" y="2212723"/>
               <a:ext cx="900530" cy="900530"/>
             </a:xfrm>
             <a:prstGeom prst="rect">
@@ -4380,7 +4970,7 @@
           </p:blipFill>
           <p:spPr>
             <a:xfrm>
-              <a:off x="2249509" y="1385399"/>
+              <a:off x="4583636" y="1401441"/>
               <a:ext cx="3007360" cy="2651432"/>
             </a:xfrm>
             <a:prstGeom prst="rect">
@@ -4388,11 +4978,222 @@
             </a:prstGeom>
           </p:spPr>
         </p:pic>
+        <p:sp>
+          <p:nvSpPr>
+            <p:cNvPr id="8" name="Freccia a destra 7"/>
+            <p:cNvSpPr/>
+            <p:nvPr/>
+          </p:nvSpPr>
+          <p:spPr>
+            <a:xfrm>
+              <a:off x="3312511" y="2446420"/>
+              <a:ext cx="609600" cy="433137"/>
+            </a:xfrm>
+            <a:prstGeom prst="rightArrow">
+              <a:avLst/>
+            </a:prstGeom>
+          </p:spPr>
+          <p:style>
+            <a:lnRef idx="1">
+              <a:schemeClr val="accent3"/>
+            </a:lnRef>
+            <a:fillRef idx="3">
+              <a:schemeClr val="accent3"/>
+            </a:fillRef>
+            <a:effectRef idx="2">
+              <a:schemeClr val="accent3"/>
+            </a:effectRef>
+            <a:fontRef idx="minor">
+              <a:schemeClr val="lt1"/>
+            </a:fontRef>
+          </p:style>
+          <p:txBody>
+            <a:bodyPr rtlCol="0" anchor="ctr"/>
+            <a:lstStyle/>
+            <a:p>
+              <a:pPr algn="ctr"/>
+              <a:endParaRPr lang="it-IT"/>
+            </a:p>
+          </p:txBody>
+        </p:sp>
+        <p:pic>
+          <p:nvPicPr>
+            <p:cNvPr id="9" name="Picture 4" descr="http://xmldataset.readthedocs.org/en/latest/_static/xmldataset-logo.png"/>
+            <p:cNvPicPr>
+              <a:picLocks noChangeAspect="1" noChangeArrowheads="1"/>
+            </p:cNvPicPr>
+            <p:nvPr/>
+          </p:nvPicPr>
+          <p:blipFill>
+            <a:blip r:embed="rId2" cstate="print">
+              <a:extLst>
+                <a:ext uri="{BEBA8EAE-BF5A-486C-A8C5-ECC9F3942E4B}">
+                  <a14:imgProps xmlns:a14="http://schemas.microsoft.com/office/drawing/2010/main">
+                    <a14:imgLayer r:embed="rId3">
+                      <a14:imgEffect>
+                        <a14:artisticCrisscrossEtching/>
+                      </a14:imgEffect>
+                      <a14:imgEffect>
+                        <a14:saturation sat="0"/>
+                      </a14:imgEffect>
+                    </a14:imgLayer>
+                  </a14:imgProps>
+                </a:ext>
+                <a:ext uri="{28A0092B-C50C-407E-A947-70E740481C1C}">
+                  <a14:useLocalDpi xmlns:a14="http://schemas.microsoft.com/office/drawing/2010/main" val="0"/>
+                </a:ext>
+              </a:extLst>
+            </a:blip>
+            <a:srcRect/>
+            <a:stretch>
+              <a:fillRect/>
+            </a:stretch>
+          </p:blipFill>
+          <p:spPr bwMode="auto">
+            <a:xfrm>
+              <a:off x="9120900" y="2212723"/>
+              <a:ext cx="900530" cy="900530"/>
+            </a:xfrm>
+            <a:prstGeom prst="rect">
+              <a:avLst/>
+            </a:prstGeom>
+            <a:noFill/>
+            <a:extLst>
+              <a:ext uri="{909E8E84-426E-40DD-AFC4-6F175D3DCCD1}">
+                <a14:hiddenFill xmlns:a14="http://schemas.microsoft.com/office/drawing/2010/main">
+                  <a:solidFill>
+                    <a:srgbClr val="FFFFFF"/>
+                  </a:solidFill>
+                </a14:hiddenFill>
+              </a:ext>
+            </a:extLst>
+          </p:spPr>
+        </p:pic>
+        <p:sp>
+          <p:nvSpPr>
+            <p:cNvPr id="10" name="Rettangolo 9"/>
+            <p:cNvSpPr/>
+            <p:nvPr/>
+          </p:nvSpPr>
+          <p:spPr>
+            <a:xfrm>
+              <a:off x="1200357" y="3232483"/>
+              <a:ext cx="2530120" cy="336885"/>
+            </a:xfrm>
+            <a:prstGeom prst="rect">
+              <a:avLst/>
+            </a:prstGeom>
+            <a:noFill/>
+            <a:ln>
+              <a:noFill/>
+            </a:ln>
+          </p:spPr>
+          <p:style>
+            <a:lnRef idx="2">
+              <a:schemeClr val="accent1">
+                <a:shade val="50000"/>
+              </a:schemeClr>
+            </a:lnRef>
+            <a:fillRef idx="1">
+              <a:schemeClr val="accent1"/>
+            </a:fillRef>
+            <a:effectRef idx="0">
+              <a:schemeClr val="accent1"/>
+            </a:effectRef>
+            <a:fontRef idx="minor">
+              <a:schemeClr val="lt1"/>
+            </a:fontRef>
+          </p:style>
+          <p:txBody>
+            <a:bodyPr rtlCol="0" anchor="ctr"/>
+            <a:lstStyle/>
+            <a:p>
+              <a:pPr algn="ctr"/>
+              <a:r>
+                <a:rPr lang="it-IT" smtClean="0">
+                  <a:solidFill>
+                    <a:schemeClr val="tx1"/>
+                  </a:solidFill>
+                  <a:latin typeface="Courier New" panose="02070309020205020404" pitchFamily="49" charset="0"/>
+                  <a:cs typeface="Courier New" panose="02070309020205020404" pitchFamily="49" charset="0"/>
+                </a:rPr>
+                <a:t>xml_displcomp.xml</a:t>
+              </a:r>
+              <a:endParaRPr lang="it-IT">
+                <a:solidFill>
+                  <a:schemeClr val="tx1"/>
+                </a:solidFill>
+                <a:latin typeface="Courier New" panose="02070309020205020404" pitchFamily="49" charset="0"/>
+                <a:cs typeface="Courier New" panose="02070309020205020404" pitchFamily="49" charset="0"/>
+              </a:endParaRPr>
+            </a:p>
+          </p:txBody>
+        </p:sp>
+        <p:sp>
+          <p:nvSpPr>
+            <p:cNvPr id="11" name="Rettangolo 10"/>
+            <p:cNvSpPr/>
+            <p:nvPr/>
+          </p:nvSpPr>
+          <p:spPr>
+            <a:xfrm>
+              <a:off x="8314274" y="3232483"/>
+              <a:ext cx="2513781" cy="336885"/>
+            </a:xfrm>
+            <a:prstGeom prst="rect">
+              <a:avLst/>
+            </a:prstGeom>
+            <a:noFill/>
+            <a:ln>
+              <a:noFill/>
+            </a:ln>
+          </p:spPr>
+          <p:style>
+            <a:lnRef idx="2">
+              <a:schemeClr val="accent1">
+                <a:shade val="50000"/>
+              </a:schemeClr>
+            </a:lnRef>
+            <a:fillRef idx="1">
+              <a:schemeClr val="accent1"/>
+            </a:fillRef>
+            <a:effectRef idx="0">
+              <a:schemeClr val="accent1"/>
+            </a:effectRef>
+            <a:fontRef idx="minor">
+              <a:schemeClr val="lt1"/>
+            </a:fontRef>
+          </p:style>
+          <p:txBody>
+            <a:bodyPr rtlCol="0" anchor="ctr"/>
+            <a:lstStyle/>
+            <a:p>
+              <a:pPr algn="ctr"/>
+              <a:r>
+                <a:rPr lang="it-IT" smtClean="0">
+                  <a:solidFill>
+                    <a:schemeClr val="tx1"/>
+                  </a:solidFill>
+                  <a:latin typeface="Courier New" panose="02070309020205020404" pitchFamily="49" charset="0"/>
+                  <a:cs typeface="Courier New" panose="02070309020205020404" pitchFamily="49" charset="0"/>
+                </a:rPr>
+                <a:t>xml_displproj.xml</a:t>
+              </a:r>
+              <a:endParaRPr lang="it-IT">
+                <a:solidFill>
+                  <a:schemeClr val="tx1"/>
+                </a:solidFill>
+                <a:latin typeface="Courier New" panose="02070309020205020404" pitchFamily="49" charset="0"/>
+                <a:cs typeface="Courier New" panose="02070309020205020404" pitchFamily="49" charset="0"/>
+              </a:endParaRPr>
+            </a:p>
+          </p:txBody>
+        </p:sp>
       </p:grpSp>
     </p:spTree>
     <p:extLst>
       <p:ext uri="{BB962C8B-B14F-4D97-AF65-F5344CB8AC3E}">
-        <p14:creationId xmlns:p14="http://schemas.microsoft.com/office/powerpoint/2010/main" val="1697725394"/>
+        <p14:creationId xmlns:p14="http://schemas.microsoft.com/office/powerpoint/2010/main" val="2976818306"/>
       </p:ext>
     </p:extLst>
   </p:cSld>

--- a/images/icons.pptx
+++ b/images/icons.pptx
@@ -8,6 +8,7 @@
     <p:sldId id="256" r:id="rId2"/>
     <p:sldId id="257" r:id="rId3"/>
     <p:sldId id="258" r:id="rId4"/>
+    <p:sldId id="259" r:id="rId5"/>
   </p:sldIdLst>
   <p:sldSz cx="12192000" cy="6858000"/>
   <p:notesSz cx="6858000" cy="9144000"/>
@@ -4846,79 +4847,346 @@
       </p:grpSpPr>
       <p:grpSp>
         <p:nvGrpSpPr>
-          <p:cNvPr id="4" name="Gruppo 3"/>
+          <p:cNvPr id="12" name="Gruppo 11"/>
           <p:cNvGrpSpPr/>
           <p:nvPr/>
         </p:nvGrpSpPr>
         <p:grpSpPr>
           <a:xfrm>
-            <a:off x="1136723" y="3621134"/>
-            <a:ext cx="9627698" cy="2651432"/>
-            <a:chOff x="1200357" y="1401441"/>
-            <a:chExt cx="9627698" cy="2651432"/>
+            <a:off x="1004643" y="385986"/>
+            <a:ext cx="9627698" cy="2490989"/>
+            <a:chOff x="1136723" y="3637186"/>
+            <a:chExt cx="9627698" cy="2490989"/>
           </a:xfrm>
         </p:grpSpPr>
-        <p:sp>
-          <p:nvSpPr>
-            <p:cNvPr id="5" name="Freccia a destra 4"/>
-            <p:cNvSpPr/>
+        <p:grpSp>
+          <p:nvGrpSpPr>
+            <p:cNvPr id="4" name="Gruppo 3"/>
+            <p:cNvGrpSpPr/>
             <p:nvPr/>
-          </p:nvSpPr>
-          <p:spPr>
+          </p:nvGrpSpPr>
+          <p:grpSpPr>
             <a:xfrm>
-              <a:off x="8053139" y="2446421"/>
-              <a:ext cx="609600" cy="433137"/>
+              <a:off x="1136723" y="4432416"/>
+              <a:ext cx="9627698" cy="1356645"/>
+              <a:chOff x="1200357" y="2212723"/>
+              <a:chExt cx="9627698" cy="1356645"/>
             </a:xfrm>
-            <a:prstGeom prst="rightArrow">
-              <a:avLst/>
-            </a:prstGeom>
-          </p:spPr>
-          <p:style>
-            <a:lnRef idx="1">
-              <a:schemeClr val="accent3"/>
-            </a:lnRef>
-            <a:fillRef idx="3">
-              <a:schemeClr val="accent3"/>
-            </a:fillRef>
-            <a:effectRef idx="2">
-              <a:schemeClr val="accent3"/>
-            </a:effectRef>
-            <a:fontRef idx="minor">
-              <a:schemeClr val="lt1"/>
-            </a:fontRef>
-          </p:style>
-          <p:txBody>
-            <a:bodyPr rtlCol="0" anchor="ctr"/>
-            <a:lstStyle/>
-            <a:p>
-              <a:pPr algn="ctr"/>
-              <a:endParaRPr lang="it-IT"/>
-            </a:p>
-          </p:txBody>
-        </p:sp>
+          </p:grpSpPr>
+          <p:sp>
+            <p:nvSpPr>
+              <p:cNvPr id="5" name="Freccia a destra 4"/>
+              <p:cNvSpPr/>
+              <p:nvPr/>
+            </p:nvSpPr>
+            <p:spPr>
+              <a:xfrm>
+                <a:off x="8053139" y="2446421"/>
+                <a:ext cx="609600" cy="433137"/>
+              </a:xfrm>
+              <a:prstGeom prst="rightArrow">
+                <a:avLst/>
+              </a:prstGeom>
+            </p:spPr>
+            <p:style>
+              <a:lnRef idx="1">
+                <a:schemeClr val="accent3"/>
+              </a:lnRef>
+              <a:fillRef idx="3">
+                <a:schemeClr val="accent3"/>
+              </a:fillRef>
+              <a:effectRef idx="2">
+                <a:schemeClr val="accent3"/>
+              </a:effectRef>
+              <a:fontRef idx="minor">
+                <a:schemeClr val="lt1"/>
+              </a:fontRef>
+            </p:style>
+            <p:txBody>
+              <a:bodyPr rtlCol="0" anchor="ctr"/>
+              <a:lstStyle/>
+              <a:p>
+                <a:pPr algn="ctr"/>
+                <a:endParaRPr lang="it-IT"/>
+              </a:p>
+            </p:txBody>
+          </p:sp>
+          <p:pic>
+            <p:nvPicPr>
+              <p:cNvPr id="6" name="Picture 4" descr="http://xmldataset.readthedocs.org/en/latest/_static/xmldataset-logo.png"/>
+              <p:cNvPicPr>
+                <a:picLocks noChangeAspect="1" noChangeArrowheads="1"/>
+              </p:cNvPicPr>
+              <p:nvPr/>
+            </p:nvPicPr>
+            <p:blipFill>
+              <a:blip r:embed="rId2" cstate="print">
+                <a:extLst>
+                  <a:ext uri="{BEBA8EAE-BF5A-486C-A8C5-ECC9F3942E4B}">
+                    <a14:imgProps xmlns:a14="http://schemas.microsoft.com/office/drawing/2010/main">
+                      <a14:imgLayer r:embed="rId3">
+                        <a14:imgEffect>
+                          <a14:artisticCrisscrossEtching/>
+                        </a14:imgEffect>
+                        <a14:imgEffect>
+                          <a14:saturation sat="0"/>
+                        </a14:imgEffect>
+                      </a14:imgLayer>
+                    </a14:imgProps>
+                  </a:ext>
+                  <a:ext uri="{28A0092B-C50C-407E-A947-70E740481C1C}">
+                    <a14:useLocalDpi xmlns:a14="http://schemas.microsoft.com/office/drawing/2010/main" val="0"/>
+                  </a:ext>
+                </a:extLst>
+              </a:blip>
+              <a:srcRect/>
+              <a:stretch>
+                <a:fillRect/>
+              </a:stretch>
+            </p:blipFill>
+            <p:spPr bwMode="auto">
+              <a:xfrm>
+                <a:off x="2015152" y="2212723"/>
+                <a:ext cx="900530" cy="900530"/>
+              </a:xfrm>
+              <a:prstGeom prst="rect">
+                <a:avLst/>
+              </a:prstGeom>
+              <a:noFill/>
+              <a:extLst>
+                <a:ext uri="{909E8E84-426E-40DD-AFC4-6F175D3DCCD1}">
+                  <a14:hiddenFill xmlns:a14="http://schemas.microsoft.com/office/drawing/2010/main">
+                    <a:solidFill>
+                      <a:srgbClr val="FFFFFF"/>
+                    </a:solidFill>
+                  </a14:hiddenFill>
+                </a:ext>
+              </a:extLst>
+            </p:spPr>
+          </p:pic>
+          <p:sp>
+            <p:nvSpPr>
+              <p:cNvPr id="8" name="Freccia a destra 7"/>
+              <p:cNvSpPr/>
+              <p:nvPr/>
+            </p:nvSpPr>
+            <p:spPr>
+              <a:xfrm>
+                <a:off x="3312511" y="2446420"/>
+                <a:ext cx="609600" cy="433137"/>
+              </a:xfrm>
+              <a:prstGeom prst="rightArrow">
+                <a:avLst/>
+              </a:prstGeom>
+            </p:spPr>
+            <p:style>
+              <a:lnRef idx="1">
+                <a:schemeClr val="accent3"/>
+              </a:lnRef>
+              <a:fillRef idx="3">
+                <a:schemeClr val="accent3"/>
+              </a:fillRef>
+              <a:effectRef idx="2">
+                <a:schemeClr val="accent3"/>
+              </a:effectRef>
+              <a:fontRef idx="minor">
+                <a:schemeClr val="lt1"/>
+              </a:fontRef>
+            </p:style>
+            <p:txBody>
+              <a:bodyPr rtlCol="0" anchor="ctr"/>
+              <a:lstStyle/>
+              <a:p>
+                <a:pPr algn="ctr"/>
+                <a:endParaRPr lang="it-IT"/>
+              </a:p>
+            </p:txBody>
+          </p:sp>
+          <p:pic>
+            <p:nvPicPr>
+              <p:cNvPr id="9" name="Picture 4" descr="http://xmldataset.readthedocs.org/en/latest/_static/xmldataset-logo.png"/>
+              <p:cNvPicPr>
+                <a:picLocks noChangeAspect="1" noChangeArrowheads="1"/>
+              </p:cNvPicPr>
+              <p:nvPr/>
+            </p:nvPicPr>
+            <p:blipFill>
+              <a:blip r:embed="rId2" cstate="print">
+                <a:extLst>
+                  <a:ext uri="{BEBA8EAE-BF5A-486C-A8C5-ECC9F3942E4B}">
+                    <a14:imgProps xmlns:a14="http://schemas.microsoft.com/office/drawing/2010/main">
+                      <a14:imgLayer r:embed="rId3">
+                        <a14:imgEffect>
+                          <a14:artisticCrisscrossEtching/>
+                        </a14:imgEffect>
+                        <a14:imgEffect>
+                          <a14:saturation sat="0"/>
+                        </a14:imgEffect>
+                      </a14:imgLayer>
+                    </a14:imgProps>
+                  </a:ext>
+                  <a:ext uri="{28A0092B-C50C-407E-A947-70E740481C1C}">
+                    <a14:useLocalDpi xmlns:a14="http://schemas.microsoft.com/office/drawing/2010/main" val="0"/>
+                  </a:ext>
+                </a:extLst>
+              </a:blip>
+              <a:srcRect/>
+              <a:stretch>
+                <a:fillRect/>
+              </a:stretch>
+            </p:blipFill>
+            <p:spPr bwMode="auto">
+              <a:xfrm>
+                <a:off x="9120900" y="2212723"/>
+                <a:ext cx="900530" cy="900530"/>
+              </a:xfrm>
+              <a:prstGeom prst="rect">
+                <a:avLst/>
+              </a:prstGeom>
+              <a:noFill/>
+              <a:extLst>
+                <a:ext uri="{909E8E84-426E-40DD-AFC4-6F175D3DCCD1}">
+                  <a14:hiddenFill xmlns:a14="http://schemas.microsoft.com/office/drawing/2010/main">
+                    <a:solidFill>
+                      <a:srgbClr val="FFFFFF"/>
+                    </a:solidFill>
+                  </a14:hiddenFill>
+                </a:ext>
+              </a:extLst>
+            </p:spPr>
+          </p:pic>
+          <p:sp>
+            <p:nvSpPr>
+              <p:cNvPr id="10" name="Rettangolo 9"/>
+              <p:cNvSpPr/>
+              <p:nvPr/>
+            </p:nvSpPr>
+            <p:spPr>
+              <a:xfrm>
+                <a:off x="1200357" y="3232483"/>
+                <a:ext cx="2530120" cy="336885"/>
+              </a:xfrm>
+              <a:prstGeom prst="rect">
+                <a:avLst/>
+              </a:prstGeom>
+              <a:noFill/>
+              <a:ln>
+                <a:noFill/>
+              </a:ln>
+            </p:spPr>
+            <p:style>
+              <a:lnRef idx="2">
+                <a:schemeClr val="accent1">
+                  <a:shade val="50000"/>
+                </a:schemeClr>
+              </a:lnRef>
+              <a:fillRef idx="1">
+                <a:schemeClr val="accent1"/>
+              </a:fillRef>
+              <a:effectRef idx="0">
+                <a:schemeClr val="accent1"/>
+              </a:effectRef>
+              <a:fontRef idx="minor">
+                <a:schemeClr val="lt1"/>
+              </a:fontRef>
+            </p:style>
+            <p:txBody>
+              <a:bodyPr rtlCol="0" anchor="ctr"/>
+              <a:lstStyle/>
+              <a:p>
+                <a:pPr algn="ctr"/>
+                <a:r>
+                  <a:rPr lang="it-IT" smtClean="0">
+                    <a:solidFill>
+                      <a:schemeClr val="tx1"/>
+                    </a:solidFill>
+                    <a:latin typeface="Courier New" panose="02070309020205020404" pitchFamily="49" charset="0"/>
+                    <a:cs typeface="Courier New" panose="02070309020205020404" pitchFamily="49" charset="0"/>
+                  </a:rPr>
+                  <a:t>xml_displcomp.xml</a:t>
+                </a:r>
+                <a:endParaRPr lang="it-IT">
+                  <a:solidFill>
+                    <a:schemeClr val="tx1"/>
+                  </a:solidFill>
+                  <a:latin typeface="Courier New" panose="02070309020205020404" pitchFamily="49" charset="0"/>
+                  <a:cs typeface="Courier New" panose="02070309020205020404" pitchFamily="49" charset="0"/>
+                </a:endParaRPr>
+              </a:p>
+            </p:txBody>
+          </p:sp>
+          <p:sp>
+            <p:nvSpPr>
+              <p:cNvPr id="11" name="Rettangolo 10"/>
+              <p:cNvSpPr/>
+              <p:nvPr/>
+            </p:nvSpPr>
+            <p:spPr>
+              <a:xfrm>
+                <a:off x="8314274" y="3232483"/>
+                <a:ext cx="2513781" cy="336885"/>
+              </a:xfrm>
+              <a:prstGeom prst="rect">
+                <a:avLst/>
+              </a:prstGeom>
+              <a:noFill/>
+              <a:ln>
+                <a:noFill/>
+              </a:ln>
+            </p:spPr>
+            <p:style>
+              <a:lnRef idx="2">
+                <a:schemeClr val="accent1">
+                  <a:shade val="50000"/>
+                </a:schemeClr>
+              </a:lnRef>
+              <a:fillRef idx="1">
+                <a:schemeClr val="accent1"/>
+              </a:fillRef>
+              <a:effectRef idx="0">
+                <a:schemeClr val="accent1"/>
+              </a:effectRef>
+              <a:fontRef idx="minor">
+                <a:schemeClr val="lt1"/>
+              </a:fontRef>
+            </p:style>
+            <p:txBody>
+              <a:bodyPr rtlCol="0" anchor="ctr"/>
+              <a:lstStyle/>
+              <a:p>
+                <a:pPr algn="ctr"/>
+                <a:r>
+                  <a:rPr lang="it-IT" smtClean="0">
+                    <a:solidFill>
+                      <a:schemeClr val="tx1"/>
+                    </a:solidFill>
+                    <a:latin typeface="Courier New" panose="02070309020205020404" pitchFamily="49" charset="0"/>
+                    <a:cs typeface="Courier New" panose="02070309020205020404" pitchFamily="49" charset="0"/>
+                  </a:rPr>
+                  <a:t>xml_displproj.xml</a:t>
+                </a:r>
+                <a:endParaRPr lang="it-IT">
+                  <a:solidFill>
+                    <a:schemeClr val="tx1"/>
+                  </a:solidFill>
+                  <a:latin typeface="Courier New" panose="02070309020205020404" pitchFamily="49" charset="0"/>
+                  <a:cs typeface="Courier New" panose="02070309020205020404" pitchFamily="49" charset="0"/>
+                </a:endParaRPr>
+              </a:p>
+            </p:txBody>
+          </p:sp>
+        </p:grpSp>
         <p:pic>
           <p:nvPicPr>
-            <p:cNvPr id="6" name="Picture 4" descr="http://xmldataset.readthedocs.org/en/latest/_static/xmldataset-logo.png"/>
+            <p:cNvPr id="2050" name="Picture 2" descr="https://raw.githubusercontent.com/abria/TeraStitcher/gh-pages/images/pipeline-project.png"/>
             <p:cNvPicPr>
               <a:picLocks noChangeAspect="1" noChangeArrowheads="1"/>
             </p:cNvPicPr>
             <p:nvPr/>
           </p:nvPicPr>
           <p:blipFill>
-            <a:blip r:embed="rId2" cstate="print">
+            <a:blip r:embed="rId4">
               <a:extLst>
-                <a:ext uri="{BEBA8EAE-BF5A-486C-A8C5-ECC9F3942E4B}">
-                  <a14:imgProps xmlns:a14="http://schemas.microsoft.com/office/drawing/2010/main">
-                    <a14:imgLayer r:embed="rId3">
-                      <a14:imgEffect>
-                        <a14:artisticCrisscrossEtching/>
-                      </a14:imgEffect>
-                      <a14:imgEffect>
-                        <a14:saturation sat="0"/>
-                      </a14:imgEffect>
-                    </a14:imgLayer>
-                  </a14:imgProps>
-                </a:ext>
                 <a:ext uri="{28A0092B-C50C-407E-A947-70E740481C1C}">
                   <a14:useLocalDpi xmlns:a14="http://schemas.microsoft.com/office/drawing/2010/main" val="0"/>
                 </a:ext>
@@ -4931,8 +5199,8 @@
           </p:blipFill>
           <p:spPr bwMode="auto">
             <a:xfrm>
-              <a:off x="2015152" y="2212723"/>
-              <a:ext cx="900530" cy="900530"/>
+              <a:off x="4688500" y="3637186"/>
+              <a:ext cx="2470981" cy="2490989"/>
             </a:xfrm>
             <a:prstGeom prst="rect">
               <a:avLst/>
@@ -4949,96 +5217,349 @@
             </a:extLst>
           </p:spPr>
         </p:pic>
+      </p:grpSp>
+      <p:grpSp>
+        <p:nvGrpSpPr>
+          <p:cNvPr id="13" name="Gruppo 12"/>
+          <p:cNvGrpSpPr/>
+          <p:nvPr/>
+        </p:nvGrpSpPr>
+        <p:grpSpPr>
+          <a:xfrm>
+            <a:off x="978061" y="3384874"/>
+            <a:ext cx="9776840" cy="2772093"/>
+            <a:chOff x="978061" y="3384874"/>
+            <a:chExt cx="9776840" cy="2772093"/>
+          </a:xfrm>
+        </p:grpSpPr>
+        <p:grpSp>
+          <p:nvGrpSpPr>
+            <p:cNvPr id="15" name="Gruppo 14"/>
+            <p:cNvGrpSpPr/>
+            <p:nvPr/>
+          </p:nvGrpSpPr>
+          <p:grpSpPr>
+            <a:xfrm>
+              <a:off x="978061" y="4320656"/>
+              <a:ext cx="9776840" cy="1356645"/>
+              <a:chOff x="1200357" y="2212723"/>
+              <a:chExt cx="9776840" cy="1356645"/>
+            </a:xfrm>
+          </p:grpSpPr>
+          <p:sp>
+            <p:nvSpPr>
+              <p:cNvPr id="17" name="Freccia a destra 16"/>
+              <p:cNvSpPr/>
+              <p:nvPr/>
+            </p:nvSpPr>
+            <p:spPr>
+              <a:xfrm>
+                <a:off x="8053139" y="2446421"/>
+                <a:ext cx="609600" cy="433137"/>
+              </a:xfrm>
+              <a:prstGeom prst="rightArrow">
+                <a:avLst/>
+              </a:prstGeom>
+            </p:spPr>
+            <p:style>
+              <a:lnRef idx="1">
+                <a:schemeClr val="accent3"/>
+              </a:lnRef>
+              <a:fillRef idx="3">
+                <a:schemeClr val="accent3"/>
+              </a:fillRef>
+              <a:effectRef idx="2">
+                <a:schemeClr val="accent3"/>
+              </a:effectRef>
+              <a:fontRef idx="minor">
+                <a:schemeClr val="lt1"/>
+              </a:fontRef>
+            </p:style>
+            <p:txBody>
+              <a:bodyPr rtlCol="0" anchor="ctr"/>
+              <a:lstStyle/>
+              <a:p>
+                <a:pPr algn="ctr"/>
+                <a:endParaRPr lang="it-IT"/>
+              </a:p>
+            </p:txBody>
+          </p:sp>
+          <p:pic>
+            <p:nvPicPr>
+              <p:cNvPr id="18" name="Picture 4" descr="http://xmldataset.readthedocs.org/en/latest/_static/xmldataset-logo.png"/>
+              <p:cNvPicPr>
+                <a:picLocks noChangeAspect="1" noChangeArrowheads="1"/>
+              </p:cNvPicPr>
+              <p:nvPr/>
+            </p:nvPicPr>
+            <p:blipFill>
+              <a:blip r:embed="rId2" cstate="print">
+                <a:extLst>
+                  <a:ext uri="{BEBA8EAE-BF5A-486C-A8C5-ECC9F3942E4B}">
+                    <a14:imgProps xmlns:a14="http://schemas.microsoft.com/office/drawing/2010/main">
+                      <a14:imgLayer r:embed="rId3">
+                        <a14:imgEffect>
+                          <a14:artisticCrisscrossEtching/>
+                        </a14:imgEffect>
+                        <a14:imgEffect>
+                          <a14:saturation sat="0"/>
+                        </a14:imgEffect>
+                      </a14:imgLayer>
+                    </a14:imgProps>
+                  </a:ext>
+                  <a:ext uri="{28A0092B-C50C-407E-A947-70E740481C1C}">
+                    <a14:useLocalDpi xmlns:a14="http://schemas.microsoft.com/office/drawing/2010/main" val="0"/>
+                  </a:ext>
+                </a:extLst>
+              </a:blip>
+              <a:srcRect/>
+              <a:stretch>
+                <a:fillRect/>
+              </a:stretch>
+            </p:blipFill>
+            <p:spPr bwMode="auto">
+              <a:xfrm>
+                <a:off x="2015152" y="2212723"/>
+                <a:ext cx="900530" cy="900530"/>
+              </a:xfrm>
+              <a:prstGeom prst="rect">
+                <a:avLst/>
+              </a:prstGeom>
+              <a:noFill/>
+              <a:extLst>
+                <a:ext uri="{909E8E84-426E-40DD-AFC4-6F175D3DCCD1}">
+                  <a14:hiddenFill xmlns:a14="http://schemas.microsoft.com/office/drawing/2010/main">
+                    <a:solidFill>
+                      <a:srgbClr val="FFFFFF"/>
+                    </a:solidFill>
+                  </a14:hiddenFill>
+                </a:ext>
+              </a:extLst>
+            </p:spPr>
+          </p:pic>
+          <p:sp>
+            <p:nvSpPr>
+              <p:cNvPr id="19" name="Freccia a destra 18"/>
+              <p:cNvSpPr/>
+              <p:nvPr/>
+            </p:nvSpPr>
+            <p:spPr>
+              <a:xfrm>
+                <a:off x="3312511" y="2446420"/>
+                <a:ext cx="609600" cy="433137"/>
+              </a:xfrm>
+              <a:prstGeom prst="rightArrow">
+                <a:avLst/>
+              </a:prstGeom>
+            </p:spPr>
+            <p:style>
+              <a:lnRef idx="1">
+                <a:schemeClr val="accent3"/>
+              </a:lnRef>
+              <a:fillRef idx="3">
+                <a:schemeClr val="accent3"/>
+              </a:fillRef>
+              <a:effectRef idx="2">
+                <a:schemeClr val="accent3"/>
+              </a:effectRef>
+              <a:fontRef idx="minor">
+                <a:schemeClr val="lt1"/>
+              </a:fontRef>
+            </p:style>
+            <p:txBody>
+              <a:bodyPr rtlCol="0" anchor="ctr"/>
+              <a:lstStyle/>
+              <a:p>
+                <a:pPr algn="ctr"/>
+                <a:endParaRPr lang="it-IT"/>
+              </a:p>
+            </p:txBody>
+          </p:sp>
+          <p:pic>
+            <p:nvPicPr>
+              <p:cNvPr id="20" name="Picture 4" descr="http://xmldataset.readthedocs.org/en/latest/_static/xmldataset-logo.png"/>
+              <p:cNvPicPr>
+                <a:picLocks noChangeAspect="1" noChangeArrowheads="1"/>
+              </p:cNvPicPr>
+              <p:nvPr/>
+            </p:nvPicPr>
+            <p:blipFill>
+              <a:blip r:embed="rId2" cstate="print">
+                <a:extLst>
+                  <a:ext uri="{BEBA8EAE-BF5A-486C-A8C5-ECC9F3942E4B}">
+                    <a14:imgProps xmlns:a14="http://schemas.microsoft.com/office/drawing/2010/main">
+                      <a14:imgLayer r:embed="rId3">
+                        <a14:imgEffect>
+                          <a14:artisticCrisscrossEtching/>
+                        </a14:imgEffect>
+                        <a14:imgEffect>
+                          <a14:saturation sat="0"/>
+                        </a14:imgEffect>
+                      </a14:imgLayer>
+                    </a14:imgProps>
+                  </a:ext>
+                  <a:ext uri="{28A0092B-C50C-407E-A947-70E740481C1C}">
+                    <a14:useLocalDpi xmlns:a14="http://schemas.microsoft.com/office/drawing/2010/main" val="0"/>
+                  </a:ext>
+                </a:extLst>
+              </a:blip>
+              <a:srcRect/>
+              <a:stretch>
+                <a:fillRect/>
+              </a:stretch>
+            </p:blipFill>
+            <p:spPr bwMode="auto">
+              <a:xfrm>
+                <a:off x="9120900" y="2212723"/>
+                <a:ext cx="900530" cy="900530"/>
+              </a:xfrm>
+              <a:prstGeom prst="rect">
+                <a:avLst/>
+              </a:prstGeom>
+              <a:noFill/>
+              <a:extLst>
+                <a:ext uri="{909E8E84-426E-40DD-AFC4-6F175D3DCCD1}">
+                  <a14:hiddenFill xmlns:a14="http://schemas.microsoft.com/office/drawing/2010/main">
+                    <a:solidFill>
+                      <a:srgbClr val="FFFFFF"/>
+                    </a:solidFill>
+                  </a14:hiddenFill>
+                </a:ext>
+              </a:extLst>
+            </p:spPr>
+          </p:pic>
+          <p:sp>
+            <p:nvSpPr>
+              <p:cNvPr id="21" name="Rettangolo 20"/>
+              <p:cNvSpPr/>
+              <p:nvPr/>
+            </p:nvSpPr>
+            <p:spPr>
+              <a:xfrm>
+                <a:off x="1200357" y="3232483"/>
+                <a:ext cx="2530120" cy="336885"/>
+              </a:xfrm>
+              <a:prstGeom prst="rect">
+                <a:avLst/>
+              </a:prstGeom>
+              <a:noFill/>
+              <a:ln>
+                <a:noFill/>
+              </a:ln>
+            </p:spPr>
+            <p:style>
+              <a:lnRef idx="2">
+                <a:schemeClr val="accent1">
+                  <a:shade val="50000"/>
+                </a:schemeClr>
+              </a:lnRef>
+              <a:fillRef idx="1">
+                <a:schemeClr val="accent1"/>
+              </a:fillRef>
+              <a:effectRef idx="0">
+                <a:schemeClr val="accent1"/>
+              </a:effectRef>
+              <a:fontRef idx="minor">
+                <a:schemeClr val="lt1"/>
+              </a:fontRef>
+            </p:style>
+            <p:txBody>
+              <a:bodyPr rtlCol="0" anchor="ctr"/>
+              <a:lstStyle/>
+              <a:p>
+                <a:pPr algn="ctr"/>
+                <a:r>
+                  <a:rPr lang="it-IT" smtClean="0">
+                    <a:solidFill>
+                      <a:schemeClr val="tx1"/>
+                    </a:solidFill>
+                    <a:latin typeface="Courier New" panose="02070309020205020404" pitchFamily="49" charset="0"/>
+                    <a:cs typeface="Courier New" panose="02070309020205020404" pitchFamily="49" charset="0"/>
+                  </a:rPr>
+                  <a:t>xml_displproj.xml</a:t>
+                </a:r>
+                <a:endParaRPr lang="it-IT">
+                  <a:solidFill>
+                    <a:schemeClr val="tx1"/>
+                  </a:solidFill>
+                  <a:latin typeface="Courier New" panose="02070309020205020404" pitchFamily="49" charset="0"/>
+                  <a:cs typeface="Courier New" panose="02070309020205020404" pitchFamily="49" charset="0"/>
+                </a:endParaRPr>
+              </a:p>
+            </p:txBody>
+          </p:sp>
+          <p:sp>
+            <p:nvSpPr>
+              <p:cNvPr id="22" name="Rettangolo 21"/>
+              <p:cNvSpPr/>
+              <p:nvPr/>
+            </p:nvSpPr>
+            <p:spPr>
+              <a:xfrm>
+                <a:off x="8218295" y="3232483"/>
+                <a:ext cx="2758902" cy="336885"/>
+              </a:xfrm>
+              <a:prstGeom prst="rect">
+                <a:avLst/>
+              </a:prstGeom>
+              <a:noFill/>
+              <a:ln>
+                <a:noFill/>
+              </a:ln>
+            </p:spPr>
+            <p:style>
+              <a:lnRef idx="2">
+                <a:schemeClr val="accent1">
+                  <a:shade val="50000"/>
+                </a:schemeClr>
+              </a:lnRef>
+              <a:fillRef idx="1">
+                <a:schemeClr val="accent1"/>
+              </a:fillRef>
+              <a:effectRef idx="0">
+                <a:schemeClr val="accent1"/>
+              </a:effectRef>
+              <a:fontRef idx="minor">
+                <a:schemeClr val="lt1"/>
+              </a:fontRef>
+            </p:style>
+            <p:txBody>
+              <a:bodyPr rtlCol="0" anchor="ctr"/>
+              <a:lstStyle/>
+              <a:p>
+                <a:pPr algn="ctr"/>
+                <a:r>
+                  <a:rPr lang="it-IT" smtClean="0">
+                    <a:solidFill>
+                      <a:schemeClr val="tx1"/>
+                    </a:solidFill>
+                    <a:latin typeface="Courier New" panose="02070309020205020404" pitchFamily="49" charset="0"/>
+                    <a:cs typeface="Courier New" panose="02070309020205020404" pitchFamily="49" charset="0"/>
+                  </a:rPr>
+                  <a:t>xml_displthres.xml</a:t>
+                </a:r>
+                <a:endParaRPr lang="it-IT">
+                  <a:solidFill>
+                    <a:schemeClr val="tx1"/>
+                  </a:solidFill>
+                  <a:latin typeface="Courier New" panose="02070309020205020404" pitchFamily="49" charset="0"/>
+                  <a:cs typeface="Courier New" panose="02070309020205020404" pitchFamily="49" charset="0"/>
+                </a:endParaRPr>
+              </a:p>
+            </p:txBody>
+          </p:sp>
+        </p:grpSp>
         <p:pic>
           <p:nvPicPr>
-            <p:cNvPr id="7" name="Immagine 6"/>
-            <p:cNvPicPr>
-              <a:picLocks noChangeAspect="1"/>
-            </p:cNvPicPr>
-            <p:nvPr/>
-          </p:nvPicPr>
-          <p:blipFill rotWithShape="1">
-            <a:blip r:embed="rId4" cstate="print">
-              <a:extLst>
-                <a:ext uri="{28A0092B-C50C-407E-A947-70E740481C1C}">
-                  <a14:useLocalDpi xmlns:a14="http://schemas.microsoft.com/office/drawing/2010/main" val="0"/>
-                </a:ext>
-              </a:extLst>
-            </a:blip>
-            <a:srcRect l="9562" r="5611"/>
-            <a:stretch/>
-          </p:blipFill>
-          <p:spPr>
-            <a:xfrm>
-              <a:off x="4583636" y="1401441"/>
-              <a:ext cx="3007360" cy="2651432"/>
-            </a:xfrm>
-            <a:prstGeom prst="rect">
-              <a:avLst/>
-            </a:prstGeom>
-          </p:spPr>
-        </p:pic>
-        <p:sp>
-          <p:nvSpPr>
-            <p:cNvPr id="8" name="Freccia a destra 7"/>
-            <p:cNvSpPr/>
-            <p:nvPr/>
-          </p:nvSpPr>
-          <p:spPr>
-            <a:xfrm>
-              <a:off x="3312511" y="2446420"/>
-              <a:ext cx="609600" cy="433137"/>
-            </a:xfrm>
-            <a:prstGeom prst="rightArrow">
-              <a:avLst/>
-            </a:prstGeom>
-          </p:spPr>
-          <p:style>
-            <a:lnRef idx="1">
-              <a:schemeClr val="accent3"/>
-            </a:lnRef>
-            <a:fillRef idx="3">
-              <a:schemeClr val="accent3"/>
-            </a:fillRef>
-            <a:effectRef idx="2">
-              <a:schemeClr val="accent3"/>
-            </a:effectRef>
-            <a:fontRef idx="minor">
-              <a:schemeClr val="lt1"/>
-            </a:fontRef>
-          </p:style>
-          <p:txBody>
-            <a:bodyPr rtlCol="0" anchor="ctr"/>
-            <a:lstStyle/>
-            <a:p>
-              <a:pPr algn="ctr"/>
-              <a:endParaRPr lang="it-IT"/>
-            </a:p>
-          </p:txBody>
-        </p:sp>
-        <p:pic>
-          <p:nvPicPr>
-            <p:cNvPr id="9" name="Picture 4" descr="http://xmldataset.readthedocs.org/en/latest/_static/xmldataset-logo.png"/>
+            <p:cNvPr id="2052" name="Picture 4" descr="https://raw.githubusercontent.com/abria/TeraStitcher/gh-pages/images/pipeline-threshold.png"/>
             <p:cNvPicPr>
               <a:picLocks noChangeAspect="1" noChangeArrowheads="1"/>
             </p:cNvPicPr>
             <p:nvPr/>
           </p:nvPicPr>
           <p:blipFill>
-            <a:blip r:embed="rId2" cstate="print">
+            <a:blip r:embed="rId5">
               <a:extLst>
-                <a:ext uri="{BEBA8EAE-BF5A-486C-A8C5-ECC9F3942E4B}">
-                  <a14:imgProps xmlns:a14="http://schemas.microsoft.com/office/drawing/2010/main">
-                    <a14:imgLayer r:embed="rId3">
-                      <a14:imgEffect>
-                        <a14:artisticCrisscrossEtching/>
-                      </a14:imgEffect>
-                      <a14:imgEffect>
-                        <a14:saturation sat="0"/>
-                      </a14:imgEffect>
-                    </a14:imgLayer>
-                  </a14:imgProps>
-                </a:ext>
                 <a:ext uri="{28A0092B-C50C-407E-A947-70E740481C1C}">
                   <a14:useLocalDpi xmlns:a14="http://schemas.microsoft.com/office/drawing/2010/main" val="0"/>
                 </a:ext>
@@ -5051,8 +5572,8 @@
           </p:blipFill>
           <p:spPr bwMode="auto">
             <a:xfrm>
-              <a:off x="9120900" y="2212723"/>
-              <a:ext cx="900530" cy="900530"/>
+              <a:off x="4378606" y="3384874"/>
+              <a:ext cx="2994076" cy="2772093"/>
             </a:xfrm>
             <a:prstGeom prst="rect">
               <a:avLst/>
@@ -5069,131 +5590,636 @@
             </a:extLst>
           </p:spPr>
         </p:pic>
-        <p:sp>
-          <p:nvSpPr>
-            <p:cNvPr id="10" name="Rettangolo 9"/>
-            <p:cNvSpPr/>
+      </p:grpSp>
+    </p:spTree>
+    <p:extLst>
+      <p:ext uri="{BB962C8B-B14F-4D97-AF65-F5344CB8AC3E}">
+        <p14:creationId xmlns:p14="http://schemas.microsoft.com/office/powerpoint/2010/main" val="2976818306"/>
+      </p:ext>
+    </p:extLst>
+  </p:cSld>
+  <p:clrMapOvr>
+    <a:masterClrMapping/>
+  </p:clrMapOvr>
+</p:sld>
+</file>
+
+<file path=ppt/slides/slide4.xml><?xml version="1.0" encoding="utf-8"?>
+<p:sld xmlns:a="http://schemas.openxmlformats.org/drawingml/2006/main" xmlns:r="http://schemas.openxmlformats.org/officeDocument/2006/relationships" xmlns:p="http://schemas.openxmlformats.org/presentationml/2006/main">
+  <p:cSld>
+    <p:spTree>
+      <p:nvGrpSpPr>
+        <p:cNvPr id="1" name=""/>
+        <p:cNvGrpSpPr/>
+        <p:nvPr/>
+      </p:nvGrpSpPr>
+      <p:grpSpPr>
+        <a:xfrm>
+          <a:off x="0" y="0"/>
+          <a:ext cx="0" cy="0"/>
+          <a:chOff x="0" y="0"/>
+          <a:chExt cx="0" cy="0"/>
+        </a:xfrm>
+      </p:grpSpPr>
+      <p:grpSp>
+        <p:nvGrpSpPr>
+          <p:cNvPr id="13" name="Gruppo 12"/>
+          <p:cNvGrpSpPr/>
+          <p:nvPr/>
+        </p:nvGrpSpPr>
+        <p:grpSpPr>
+          <a:xfrm>
+            <a:off x="903030" y="456730"/>
+            <a:ext cx="9790911" cy="2247901"/>
+            <a:chOff x="963990" y="3646970"/>
+            <a:chExt cx="9790911" cy="2247901"/>
+          </a:xfrm>
+        </p:grpSpPr>
+        <p:grpSp>
+          <p:nvGrpSpPr>
+            <p:cNvPr id="5" name="Gruppo 4"/>
+            <p:cNvGrpSpPr/>
             <p:nvPr/>
-          </p:nvSpPr>
-          <p:spPr>
+          </p:nvGrpSpPr>
+          <p:grpSpPr>
             <a:xfrm>
-              <a:off x="1200357" y="3232483"/>
-              <a:ext cx="2530120" cy="336885"/>
+              <a:off x="963990" y="4320656"/>
+              <a:ext cx="9790911" cy="1356645"/>
+              <a:chOff x="1186286" y="2212723"/>
+              <a:chExt cx="9790911" cy="1356645"/>
+            </a:xfrm>
+          </p:grpSpPr>
+          <p:sp>
+            <p:nvSpPr>
+              <p:cNvPr id="7" name="Freccia a destra 6"/>
+              <p:cNvSpPr/>
+              <p:nvPr/>
+            </p:nvSpPr>
+            <p:spPr>
+              <a:xfrm>
+                <a:off x="8053139" y="2446421"/>
+                <a:ext cx="609600" cy="433137"/>
+              </a:xfrm>
+              <a:prstGeom prst="rightArrow">
+                <a:avLst/>
+              </a:prstGeom>
+            </p:spPr>
+            <p:style>
+              <a:lnRef idx="1">
+                <a:schemeClr val="accent3"/>
+              </a:lnRef>
+              <a:fillRef idx="3">
+                <a:schemeClr val="accent3"/>
+              </a:fillRef>
+              <a:effectRef idx="2">
+                <a:schemeClr val="accent3"/>
+              </a:effectRef>
+              <a:fontRef idx="minor">
+                <a:schemeClr val="lt1"/>
+              </a:fontRef>
+            </p:style>
+            <p:txBody>
+              <a:bodyPr rtlCol="0" anchor="ctr"/>
+              <a:lstStyle/>
+              <a:p>
+                <a:pPr algn="ctr"/>
+                <a:endParaRPr lang="it-IT"/>
+              </a:p>
+            </p:txBody>
+          </p:sp>
+          <p:pic>
+            <p:nvPicPr>
+              <p:cNvPr id="8" name="Picture 4" descr="http://xmldataset.readthedocs.org/en/latest/_static/xmldataset-logo.png"/>
+              <p:cNvPicPr>
+                <a:picLocks noChangeAspect="1" noChangeArrowheads="1"/>
+              </p:cNvPicPr>
+              <p:nvPr/>
+            </p:nvPicPr>
+            <p:blipFill>
+              <a:blip r:embed="rId2" cstate="print">
+                <a:extLst>
+                  <a:ext uri="{BEBA8EAE-BF5A-486C-A8C5-ECC9F3942E4B}">
+                    <a14:imgProps xmlns:a14="http://schemas.microsoft.com/office/drawing/2010/main">
+                      <a14:imgLayer r:embed="rId3">
+                        <a14:imgEffect>
+                          <a14:artisticCrisscrossEtching/>
+                        </a14:imgEffect>
+                        <a14:imgEffect>
+                          <a14:saturation sat="0"/>
+                        </a14:imgEffect>
+                      </a14:imgLayer>
+                    </a14:imgProps>
+                  </a:ext>
+                  <a:ext uri="{28A0092B-C50C-407E-A947-70E740481C1C}">
+                    <a14:useLocalDpi xmlns:a14="http://schemas.microsoft.com/office/drawing/2010/main" val="0"/>
+                  </a:ext>
+                </a:extLst>
+              </a:blip>
+              <a:srcRect/>
+              <a:stretch>
+                <a:fillRect/>
+              </a:stretch>
+            </p:blipFill>
+            <p:spPr bwMode="auto">
+              <a:xfrm>
+                <a:off x="2015152" y="2212723"/>
+                <a:ext cx="900530" cy="900530"/>
+              </a:xfrm>
+              <a:prstGeom prst="rect">
+                <a:avLst/>
+              </a:prstGeom>
+              <a:noFill/>
+              <a:extLst>
+                <a:ext uri="{909E8E84-426E-40DD-AFC4-6F175D3DCCD1}">
+                  <a14:hiddenFill xmlns:a14="http://schemas.microsoft.com/office/drawing/2010/main">
+                    <a:solidFill>
+                      <a:srgbClr val="FFFFFF"/>
+                    </a:solidFill>
+                  </a14:hiddenFill>
+                </a:ext>
+              </a:extLst>
+            </p:spPr>
+          </p:pic>
+          <p:sp>
+            <p:nvSpPr>
+              <p:cNvPr id="9" name="Freccia a destra 8"/>
+              <p:cNvSpPr/>
+              <p:nvPr/>
+            </p:nvSpPr>
+            <p:spPr>
+              <a:xfrm>
+                <a:off x="3312511" y="2446420"/>
+                <a:ext cx="609600" cy="433137"/>
+              </a:xfrm>
+              <a:prstGeom prst="rightArrow">
+                <a:avLst/>
+              </a:prstGeom>
+            </p:spPr>
+            <p:style>
+              <a:lnRef idx="1">
+                <a:schemeClr val="accent3"/>
+              </a:lnRef>
+              <a:fillRef idx="3">
+                <a:schemeClr val="accent3"/>
+              </a:fillRef>
+              <a:effectRef idx="2">
+                <a:schemeClr val="accent3"/>
+              </a:effectRef>
+              <a:fontRef idx="minor">
+                <a:schemeClr val="lt1"/>
+              </a:fontRef>
+            </p:style>
+            <p:txBody>
+              <a:bodyPr rtlCol="0" anchor="ctr"/>
+              <a:lstStyle/>
+              <a:p>
+                <a:pPr algn="ctr"/>
+                <a:endParaRPr lang="it-IT"/>
+              </a:p>
+            </p:txBody>
+          </p:sp>
+          <p:pic>
+            <p:nvPicPr>
+              <p:cNvPr id="10" name="Picture 4" descr="http://xmldataset.readthedocs.org/en/latest/_static/xmldataset-logo.png"/>
+              <p:cNvPicPr>
+                <a:picLocks noChangeAspect="1" noChangeArrowheads="1"/>
+              </p:cNvPicPr>
+              <p:nvPr/>
+            </p:nvPicPr>
+            <p:blipFill>
+              <a:blip r:embed="rId2" cstate="print">
+                <a:extLst>
+                  <a:ext uri="{BEBA8EAE-BF5A-486C-A8C5-ECC9F3942E4B}">
+                    <a14:imgProps xmlns:a14="http://schemas.microsoft.com/office/drawing/2010/main">
+                      <a14:imgLayer r:embed="rId3">
+                        <a14:imgEffect>
+                          <a14:artisticCrisscrossEtching/>
+                        </a14:imgEffect>
+                        <a14:imgEffect>
+                          <a14:saturation sat="0"/>
+                        </a14:imgEffect>
+                      </a14:imgLayer>
+                    </a14:imgProps>
+                  </a:ext>
+                  <a:ext uri="{28A0092B-C50C-407E-A947-70E740481C1C}">
+                    <a14:useLocalDpi xmlns:a14="http://schemas.microsoft.com/office/drawing/2010/main" val="0"/>
+                  </a:ext>
+                </a:extLst>
+              </a:blip>
+              <a:srcRect/>
+              <a:stretch>
+                <a:fillRect/>
+              </a:stretch>
+            </p:blipFill>
+            <p:spPr bwMode="auto">
+              <a:xfrm>
+                <a:off x="9120900" y="2212723"/>
+                <a:ext cx="900530" cy="900530"/>
+              </a:xfrm>
+              <a:prstGeom prst="rect">
+                <a:avLst/>
+              </a:prstGeom>
+              <a:noFill/>
+              <a:extLst>
+                <a:ext uri="{909E8E84-426E-40DD-AFC4-6F175D3DCCD1}">
+                  <a14:hiddenFill xmlns:a14="http://schemas.microsoft.com/office/drawing/2010/main">
+                    <a:solidFill>
+                      <a:srgbClr val="FFFFFF"/>
+                    </a:solidFill>
+                  </a14:hiddenFill>
+                </a:ext>
+              </a:extLst>
+            </p:spPr>
+          </p:pic>
+          <p:sp>
+            <p:nvSpPr>
+              <p:cNvPr id="11" name="Rettangolo 10"/>
+              <p:cNvSpPr/>
+              <p:nvPr/>
+            </p:nvSpPr>
+            <p:spPr>
+              <a:xfrm>
+                <a:off x="1186286" y="3232483"/>
+                <a:ext cx="2721754" cy="336885"/>
+              </a:xfrm>
+              <a:prstGeom prst="rect">
+                <a:avLst/>
+              </a:prstGeom>
+              <a:noFill/>
+              <a:ln>
+                <a:noFill/>
+              </a:ln>
+            </p:spPr>
+            <p:style>
+              <a:lnRef idx="2">
+                <a:schemeClr val="accent1">
+                  <a:shade val="50000"/>
+                </a:schemeClr>
+              </a:lnRef>
+              <a:fillRef idx="1">
+                <a:schemeClr val="accent1"/>
+              </a:fillRef>
+              <a:effectRef idx="0">
+                <a:schemeClr val="accent1"/>
+              </a:effectRef>
+              <a:fontRef idx="minor">
+                <a:schemeClr val="lt1"/>
+              </a:fontRef>
+            </p:style>
+            <p:txBody>
+              <a:bodyPr rtlCol="0" anchor="ctr"/>
+              <a:lstStyle/>
+              <a:p>
+                <a:pPr algn="ctr"/>
+                <a:r>
+                  <a:rPr lang="it-IT" smtClean="0">
+                    <a:solidFill>
+                      <a:schemeClr val="tx1"/>
+                    </a:solidFill>
+                    <a:latin typeface="Courier New" panose="02070309020205020404" pitchFamily="49" charset="0"/>
+                    <a:cs typeface="Courier New" panose="02070309020205020404" pitchFamily="49" charset="0"/>
+                  </a:rPr>
+                  <a:t>xml_displthres.xml</a:t>
+                </a:r>
+                <a:endParaRPr lang="it-IT">
+                  <a:solidFill>
+                    <a:schemeClr val="tx1"/>
+                  </a:solidFill>
+                  <a:latin typeface="Courier New" panose="02070309020205020404" pitchFamily="49" charset="0"/>
+                  <a:cs typeface="Courier New" panose="02070309020205020404" pitchFamily="49" charset="0"/>
+                </a:endParaRPr>
+              </a:p>
+            </p:txBody>
+          </p:sp>
+          <p:sp>
+            <p:nvSpPr>
+              <p:cNvPr id="12" name="Rettangolo 11"/>
+              <p:cNvSpPr/>
+              <p:nvPr/>
+            </p:nvSpPr>
+            <p:spPr>
+              <a:xfrm>
+                <a:off x="8218295" y="3232483"/>
+                <a:ext cx="2758902" cy="336885"/>
+              </a:xfrm>
+              <a:prstGeom prst="rect">
+                <a:avLst/>
+              </a:prstGeom>
+              <a:noFill/>
+              <a:ln>
+                <a:noFill/>
+              </a:ln>
+            </p:spPr>
+            <p:style>
+              <a:lnRef idx="2">
+                <a:schemeClr val="accent1">
+                  <a:shade val="50000"/>
+                </a:schemeClr>
+              </a:lnRef>
+              <a:fillRef idx="1">
+                <a:schemeClr val="accent1"/>
+              </a:fillRef>
+              <a:effectRef idx="0">
+                <a:schemeClr val="accent1"/>
+              </a:effectRef>
+              <a:fontRef idx="minor">
+                <a:schemeClr val="lt1"/>
+              </a:fontRef>
+            </p:style>
+            <p:txBody>
+              <a:bodyPr rtlCol="0" anchor="ctr"/>
+              <a:lstStyle/>
+              <a:p>
+                <a:pPr algn="ctr"/>
+                <a:r>
+                  <a:rPr lang="it-IT" smtClean="0">
+                    <a:solidFill>
+                      <a:schemeClr val="tx1"/>
+                    </a:solidFill>
+                    <a:latin typeface="Courier New" panose="02070309020205020404" pitchFamily="49" charset="0"/>
+                    <a:cs typeface="Courier New" panose="02070309020205020404" pitchFamily="49" charset="0"/>
+                  </a:rPr>
+                  <a:t>xml_merging.xml</a:t>
+                </a:r>
+                <a:endParaRPr lang="it-IT">
+                  <a:solidFill>
+                    <a:schemeClr val="tx1"/>
+                  </a:solidFill>
+                  <a:latin typeface="Courier New" panose="02070309020205020404" pitchFamily="49" charset="0"/>
+                  <a:cs typeface="Courier New" panose="02070309020205020404" pitchFamily="49" charset="0"/>
+                </a:endParaRPr>
+              </a:p>
+            </p:txBody>
+          </p:sp>
+        </p:grpSp>
+        <p:pic>
+          <p:nvPicPr>
+            <p:cNvPr id="3074" name="Picture 2" descr="https://raw.githubusercontent.com/abria/TeraStitcher/gh-pages/images/pipeline-place.png"/>
+            <p:cNvPicPr>
+              <a:picLocks noChangeAspect="1" noChangeArrowheads="1"/>
+            </p:cNvPicPr>
+            <p:nvPr/>
+          </p:nvPicPr>
+          <p:blipFill>
+            <a:blip r:embed="rId4">
+              <a:extLst>
+                <a:ext uri="{28A0092B-C50C-407E-A947-70E740481C1C}">
+                  <a14:useLocalDpi xmlns:a14="http://schemas.microsoft.com/office/drawing/2010/main" val="0"/>
+                </a:ext>
+              </a:extLst>
+            </a:blip>
+            <a:srcRect/>
+            <a:stretch>
+              <a:fillRect/>
+            </a:stretch>
+          </p:blipFill>
+          <p:spPr bwMode="auto">
+            <a:xfrm>
+              <a:off x="4622545" y="3646970"/>
+              <a:ext cx="2257425" cy="2247901"/>
             </a:xfrm>
             <a:prstGeom prst="rect">
               <a:avLst/>
             </a:prstGeom>
             <a:noFill/>
-            <a:ln>
+            <a:extLst>
+              <a:ext uri="{909E8E84-426E-40DD-AFC4-6F175D3DCCD1}">
+                <a14:hiddenFill xmlns:a14="http://schemas.microsoft.com/office/drawing/2010/main">
+                  <a:solidFill>
+                    <a:srgbClr val="FFFFFF"/>
+                  </a:solidFill>
+                </a14:hiddenFill>
+              </a:ext>
+            </a:extLst>
+          </p:spPr>
+        </p:pic>
+      </p:grpSp>
+      <p:grpSp>
+        <p:nvGrpSpPr>
+          <p:cNvPr id="14" name="Gruppo 13"/>
+          <p:cNvGrpSpPr/>
+          <p:nvPr/>
+        </p:nvGrpSpPr>
+        <p:grpSpPr>
+          <a:xfrm>
+            <a:off x="794841" y="3063858"/>
+            <a:ext cx="6241565" cy="3028046"/>
+            <a:chOff x="794841" y="3063858"/>
+            <a:chExt cx="6241565" cy="3028046"/>
+          </a:xfrm>
+        </p:grpSpPr>
+        <p:grpSp>
+          <p:nvGrpSpPr>
+            <p:cNvPr id="16" name="Gruppo 15"/>
+            <p:cNvGrpSpPr/>
+            <p:nvPr/>
+          </p:nvGrpSpPr>
+          <p:grpSpPr>
+            <a:xfrm>
+              <a:off x="794841" y="4127616"/>
+              <a:ext cx="2735825" cy="1356645"/>
+              <a:chOff x="1186286" y="2212723"/>
+              <a:chExt cx="2735825" cy="1356645"/>
+            </a:xfrm>
+          </p:grpSpPr>
+          <p:pic>
+            <p:nvPicPr>
+              <p:cNvPr id="19" name="Picture 4" descr="http://xmldataset.readthedocs.org/en/latest/_static/xmldataset-logo.png"/>
+              <p:cNvPicPr>
+                <a:picLocks noChangeAspect="1" noChangeArrowheads="1"/>
+              </p:cNvPicPr>
+              <p:nvPr/>
+            </p:nvPicPr>
+            <p:blipFill>
+              <a:blip r:embed="rId2" cstate="print">
+                <a:extLst>
+                  <a:ext uri="{BEBA8EAE-BF5A-486C-A8C5-ECC9F3942E4B}">
+                    <a14:imgProps xmlns:a14="http://schemas.microsoft.com/office/drawing/2010/main">
+                      <a14:imgLayer r:embed="rId3">
+                        <a14:imgEffect>
+                          <a14:artisticCrisscrossEtching/>
+                        </a14:imgEffect>
+                        <a14:imgEffect>
+                          <a14:saturation sat="0"/>
+                        </a14:imgEffect>
+                      </a14:imgLayer>
+                    </a14:imgProps>
+                  </a:ext>
+                  <a:ext uri="{28A0092B-C50C-407E-A947-70E740481C1C}">
+                    <a14:useLocalDpi xmlns:a14="http://schemas.microsoft.com/office/drawing/2010/main" val="0"/>
+                  </a:ext>
+                </a:extLst>
+              </a:blip>
+              <a:srcRect/>
+              <a:stretch>
+                <a:fillRect/>
+              </a:stretch>
+            </p:blipFill>
+            <p:spPr bwMode="auto">
+              <a:xfrm>
+                <a:off x="2015152" y="2212723"/>
+                <a:ext cx="900530" cy="900530"/>
+              </a:xfrm>
+              <a:prstGeom prst="rect">
+                <a:avLst/>
+              </a:prstGeom>
               <a:noFill/>
-            </a:ln>
-          </p:spPr>
-          <p:style>
-            <a:lnRef idx="2">
-              <a:schemeClr val="accent1">
-                <a:shade val="50000"/>
-              </a:schemeClr>
-            </a:lnRef>
-            <a:fillRef idx="1">
-              <a:schemeClr val="accent1"/>
-            </a:fillRef>
-            <a:effectRef idx="0">
-              <a:schemeClr val="accent1"/>
-            </a:effectRef>
-            <a:fontRef idx="minor">
-              <a:schemeClr val="lt1"/>
-            </a:fontRef>
-          </p:style>
-          <p:txBody>
-            <a:bodyPr rtlCol="0" anchor="ctr"/>
-            <a:lstStyle/>
-            <a:p>
-              <a:pPr algn="ctr"/>
-              <a:r>
-                <a:rPr lang="it-IT" smtClean="0">
+              <a:extLst>
+                <a:ext uri="{909E8E84-426E-40DD-AFC4-6F175D3DCCD1}">
+                  <a14:hiddenFill xmlns:a14="http://schemas.microsoft.com/office/drawing/2010/main">
+                    <a:solidFill>
+                      <a:srgbClr val="FFFFFF"/>
+                    </a:solidFill>
+                  </a14:hiddenFill>
+                </a:ext>
+              </a:extLst>
+            </p:spPr>
+          </p:pic>
+          <p:sp>
+            <p:nvSpPr>
+              <p:cNvPr id="20" name="Freccia a destra 19"/>
+              <p:cNvSpPr/>
+              <p:nvPr/>
+            </p:nvSpPr>
+            <p:spPr>
+              <a:xfrm>
+                <a:off x="3312511" y="2446420"/>
+                <a:ext cx="609600" cy="433137"/>
+              </a:xfrm>
+              <a:prstGeom prst="rightArrow">
+                <a:avLst/>
+              </a:prstGeom>
+            </p:spPr>
+            <p:style>
+              <a:lnRef idx="1">
+                <a:schemeClr val="accent3"/>
+              </a:lnRef>
+              <a:fillRef idx="3">
+                <a:schemeClr val="accent3"/>
+              </a:fillRef>
+              <a:effectRef idx="2">
+                <a:schemeClr val="accent3"/>
+              </a:effectRef>
+              <a:fontRef idx="minor">
+                <a:schemeClr val="lt1"/>
+              </a:fontRef>
+            </p:style>
+            <p:txBody>
+              <a:bodyPr rtlCol="0" anchor="ctr"/>
+              <a:lstStyle/>
+              <a:p>
+                <a:pPr algn="ctr"/>
+                <a:endParaRPr lang="it-IT"/>
+              </a:p>
+            </p:txBody>
+          </p:sp>
+          <p:sp>
+            <p:nvSpPr>
+              <p:cNvPr id="22" name="Rettangolo 21"/>
+              <p:cNvSpPr/>
+              <p:nvPr/>
+            </p:nvSpPr>
+            <p:spPr>
+              <a:xfrm>
+                <a:off x="1186286" y="3232483"/>
+                <a:ext cx="2721754" cy="336885"/>
+              </a:xfrm>
+              <a:prstGeom prst="rect">
+                <a:avLst/>
+              </a:prstGeom>
+              <a:noFill/>
+              <a:ln>
+                <a:noFill/>
+              </a:ln>
+            </p:spPr>
+            <p:style>
+              <a:lnRef idx="2">
+                <a:schemeClr val="accent1">
+                  <a:shade val="50000"/>
+                </a:schemeClr>
+              </a:lnRef>
+              <a:fillRef idx="1">
+                <a:schemeClr val="accent1"/>
+              </a:fillRef>
+              <a:effectRef idx="0">
+                <a:schemeClr val="accent1"/>
+              </a:effectRef>
+              <a:fontRef idx="minor">
+                <a:schemeClr val="lt1"/>
+              </a:fontRef>
+            </p:style>
+            <p:txBody>
+              <a:bodyPr rtlCol="0" anchor="ctr"/>
+              <a:lstStyle/>
+              <a:p>
+                <a:pPr algn="ctr"/>
+                <a:r>
+                  <a:rPr lang="it-IT" smtClean="0">
+                    <a:solidFill>
+                      <a:schemeClr val="tx1"/>
+                    </a:solidFill>
+                    <a:latin typeface="Courier New" panose="02070309020205020404" pitchFamily="49" charset="0"/>
+                    <a:cs typeface="Courier New" panose="02070309020205020404" pitchFamily="49" charset="0"/>
+                  </a:rPr>
+                  <a:t>xml_merging.xml</a:t>
+                </a:r>
+                <a:endParaRPr lang="it-IT">
                   <a:solidFill>
                     <a:schemeClr val="tx1"/>
                   </a:solidFill>
                   <a:latin typeface="Courier New" panose="02070309020205020404" pitchFamily="49" charset="0"/>
                   <a:cs typeface="Courier New" panose="02070309020205020404" pitchFamily="49" charset="0"/>
-                </a:rPr>
-                <a:t>xml_displcomp.xml</a:t>
-              </a:r>
-              <a:endParaRPr lang="it-IT">
-                <a:solidFill>
-                  <a:schemeClr val="tx1"/>
-                </a:solidFill>
-                <a:latin typeface="Courier New" panose="02070309020205020404" pitchFamily="49" charset="0"/>
-                <a:cs typeface="Courier New" panose="02070309020205020404" pitchFamily="49" charset="0"/>
-              </a:endParaRPr>
-            </a:p>
-          </p:txBody>
-        </p:sp>
-        <p:sp>
-          <p:nvSpPr>
-            <p:cNvPr id="11" name="Rettangolo 10"/>
-            <p:cNvSpPr/>
+                </a:endParaRPr>
+              </a:p>
+            </p:txBody>
+          </p:sp>
+        </p:grpSp>
+        <p:pic>
+          <p:nvPicPr>
+            <p:cNvPr id="3076" name="Picture 4" descr="https://raw.githubusercontent.com/abria/TeraStitcher/gh-pages/images/pipeline-merge.png"/>
+            <p:cNvPicPr>
+              <a:picLocks noChangeAspect="1" noChangeArrowheads="1"/>
+            </p:cNvPicPr>
             <p:nvPr/>
-          </p:nvSpPr>
-          <p:spPr>
+          </p:nvPicPr>
+          <p:blipFill>
+            <a:blip r:embed="rId5">
+              <a:extLst>
+                <a:ext uri="{28A0092B-C50C-407E-A947-70E740481C1C}">
+                  <a14:useLocalDpi xmlns:a14="http://schemas.microsoft.com/office/drawing/2010/main" val="0"/>
+                </a:ext>
+              </a:extLst>
+            </a:blip>
+            <a:srcRect/>
+            <a:stretch>
+              <a:fillRect/>
+            </a:stretch>
+          </p:blipFill>
+          <p:spPr bwMode="auto">
             <a:xfrm>
-              <a:off x="8314274" y="3232483"/>
-              <a:ext cx="2513781" cy="336885"/>
+              <a:off x="4344188" y="3063858"/>
+              <a:ext cx="2692218" cy="3028046"/>
             </a:xfrm>
             <a:prstGeom prst="rect">
               <a:avLst/>
             </a:prstGeom>
             <a:noFill/>
-            <a:ln>
-              <a:noFill/>
-            </a:ln>
+            <a:extLst>
+              <a:ext uri="{909E8E84-426E-40DD-AFC4-6F175D3DCCD1}">
+                <a14:hiddenFill xmlns:a14="http://schemas.microsoft.com/office/drawing/2010/main">
+                  <a:solidFill>
+                    <a:srgbClr val="FFFFFF"/>
+                  </a:solidFill>
+                </a14:hiddenFill>
+              </a:ext>
+            </a:extLst>
           </p:spPr>
-          <p:style>
-            <a:lnRef idx="2">
-              <a:schemeClr val="accent1">
-                <a:shade val="50000"/>
-              </a:schemeClr>
-            </a:lnRef>
-            <a:fillRef idx="1">
-              <a:schemeClr val="accent1"/>
-            </a:fillRef>
-            <a:effectRef idx="0">
-              <a:schemeClr val="accent1"/>
-            </a:effectRef>
-            <a:fontRef idx="minor">
-              <a:schemeClr val="lt1"/>
-            </a:fontRef>
-          </p:style>
-          <p:txBody>
-            <a:bodyPr rtlCol="0" anchor="ctr"/>
-            <a:lstStyle/>
-            <a:p>
-              <a:pPr algn="ctr"/>
-              <a:r>
-                <a:rPr lang="it-IT" smtClean="0">
-                  <a:solidFill>
-                    <a:schemeClr val="tx1"/>
-                  </a:solidFill>
-                  <a:latin typeface="Courier New" panose="02070309020205020404" pitchFamily="49" charset="0"/>
-                  <a:cs typeface="Courier New" panose="02070309020205020404" pitchFamily="49" charset="0"/>
-                </a:rPr>
-                <a:t>xml_displproj.xml</a:t>
-              </a:r>
-              <a:endParaRPr lang="it-IT">
-                <a:solidFill>
-                  <a:schemeClr val="tx1"/>
-                </a:solidFill>
-                <a:latin typeface="Courier New" panose="02070309020205020404" pitchFamily="49" charset="0"/>
-                <a:cs typeface="Courier New" panose="02070309020205020404" pitchFamily="49" charset="0"/>
-              </a:endParaRPr>
-            </a:p>
-          </p:txBody>
-        </p:sp>
+        </p:pic>
       </p:grpSp>
     </p:spTree>
     <p:extLst>
       <p:ext uri="{BB962C8B-B14F-4D97-AF65-F5344CB8AC3E}">
-        <p14:creationId xmlns:p14="http://schemas.microsoft.com/office/powerpoint/2010/main" val="2976818306"/>
+        <p14:creationId xmlns:p14="http://schemas.microsoft.com/office/powerpoint/2010/main" val="3511988238"/>
       </p:ext>
     </p:extLst>
   </p:cSld>

--- a/images/icons.pptx
+++ b/images/icons.pptx
@@ -246,7 +246,7 @@
           <a:p>
             <a:fld id="{2F184507-51F5-4746-AA54-9A4F12500B9F}" type="datetimeFigureOut">
               <a:rPr lang="it-IT" smtClean="0"/>
-              <a:t>06/10/2014</a:t>
+              <a:t>07/10/2014</a:t>
             </a:fld>
             <a:endParaRPr lang="it-IT"/>
           </a:p>
@@ -416,7 +416,7 @@
           <a:p>
             <a:fld id="{2F184507-51F5-4746-AA54-9A4F12500B9F}" type="datetimeFigureOut">
               <a:rPr lang="it-IT" smtClean="0"/>
-              <a:t>06/10/2014</a:t>
+              <a:t>07/10/2014</a:t>
             </a:fld>
             <a:endParaRPr lang="it-IT"/>
           </a:p>
@@ -596,7 +596,7 @@
           <a:p>
             <a:fld id="{2F184507-51F5-4746-AA54-9A4F12500B9F}" type="datetimeFigureOut">
               <a:rPr lang="it-IT" smtClean="0"/>
-              <a:t>06/10/2014</a:t>
+              <a:t>07/10/2014</a:t>
             </a:fld>
             <a:endParaRPr lang="it-IT"/>
           </a:p>
@@ -766,7 +766,7 @@
           <a:p>
             <a:fld id="{2F184507-51F5-4746-AA54-9A4F12500B9F}" type="datetimeFigureOut">
               <a:rPr lang="it-IT" smtClean="0"/>
-              <a:t>06/10/2014</a:t>
+              <a:t>07/10/2014</a:t>
             </a:fld>
             <a:endParaRPr lang="it-IT"/>
           </a:p>
@@ -1012,7 +1012,7 @@
           <a:p>
             <a:fld id="{2F184507-51F5-4746-AA54-9A4F12500B9F}" type="datetimeFigureOut">
               <a:rPr lang="it-IT" smtClean="0"/>
-              <a:t>06/10/2014</a:t>
+              <a:t>07/10/2014</a:t>
             </a:fld>
             <a:endParaRPr lang="it-IT"/>
           </a:p>
@@ -1244,7 +1244,7 @@
           <a:p>
             <a:fld id="{2F184507-51F5-4746-AA54-9A4F12500B9F}" type="datetimeFigureOut">
               <a:rPr lang="it-IT" smtClean="0"/>
-              <a:t>06/10/2014</a:t>
+              <a:t>07/10/2014</a:t>
             </a:fld>
             <a:endParaRPr lang="it-IT"/>
           </a:p>
@@ -1611,7 +1611,7 @@
           <a:p>
             <a:fld id="{2F184507-51F5-4746-AA54-9A4F12500B9F}" type="datetimeFigureOut">
               <a:rPr lang="it-IT" smtClean="0"/>
-              <a:t>06/10/2014</a:t>
+              <a:t>07/10/2014</a:t>
             </a:fld>
             <a:endParaRPr lang="it-IT"/>
           </a:p>
@@ -1729,7 +1729,7 @@
           <a:p>
             <a:fld id="{2F184507-51F5-4746-AA54-9A4F12500B9F}" type="datetimeFigureOut">
               <a:rPr lang="it-IT" smtClean="0"/>
-              <a:t>06/10/2014</a:t>
+              <a:t>07/10/2014</a:t>
             </a:fld>
             <a:endParaRPr lang="it-IT"/>
           </a:p>
@@ -1824,7 +1824,7 @@
           <a:p>
             <a:fld id="{2F184507-51F5-4746-AA54-9A4F12500B9F}" type="datetimeFigureOut">
               <a:rPr lang="it-IT" smtClean="0"/>
-              <a:t>06/10/2014</a:t>
+              <a:t>07/10/2014</a:t>
             </a:fld>
             <a:endParaRPr lang="it-IT"/>
           </a:p>
@@ -2101,7 +2101,7 @@
           <a:p>
             <a:fld id="{2F184507-51F5-4746-AA54-9A4F12500B9F}" type="datetimeFigureOut">
               <a:rPr lang="it-IT" smtClean="0"/>
-              <a:t>06/10/2014</a:t>
+              <a:t>07/10/2014</a:t>
             </a:fld>
             <a:endParaRPr lang="it-IT"/>
           </a:p>
@@ -2354,7 +2354,7 @@
           <a:p>
             <a:fld id="{2F184507-51F5-4746-AA54-9A4F12500B9F}" type="datetimeFigureOut">
               <a:rPr lang="it-IT" smtClean="0"/>
-              <a:t>06/10/2014</a:t>
+              <a:t>07/10/2014</a:t>
             </a:fld>
             <a:endParaRPr lang="it-IT"/>
           </a:p>
@@ -2567,7 +2567,7 @@
           <a:p>
             <a:fld id="{2F184507-51F5-4746-AA54-9A4F12500B9F}" type="datetimeFigureOut">
               <a:rPr lang="it-IT" smtClean="0"/>
-              <a:t>06/10/2014</a:t>
+              <a:t>07/10/2014</a:t>
             </a:fld>
             <a:endParaRPr lang="it-IT"/>
           </a:p>
@@ -4200,6 +4200,114 @@
             <a:xfrm>
               <a:off x="2509143" y="4913575"/>
               <a:ext cx="746582" cy="746582"/>
+            </a:xfrm>
+            <a:prstGeom prst="rect">
+              <a:avLst/>
+            </a:prstGeom>
+            <a:noFill/>
+            <a:extLst>
+              <a:ext uri="{909E8E84-426E-40DD-AFC4-6F175D3DCCD1}">
+                <a14:hiddenFill xmlns:a14="http://schemas.microsoft.com/office/drawing/2010/main">
+                  <a:solidFill>
+                    <a:srgbClr val="FFFFFF"/>
+                  </a:solidFill>
+                </a14:hiddenFill>
+              </a:ext>
+            </a:extLst>
+          </p:spPr>
+        </p:pic>
+      </p:grpSp>
+      <p:grpSp>
+        <p:nvGrpSpPr>
+          <p:cNvPr id="15" name="Gruppo 14"/>
+          <p:cNvGrpSpPr/>
+          <p:nvPr/>
+        </p:nvGrpSpPr>
+        <p:grpSpPr>
+          <a:xfrm>
+            <a:off x="3770735" y="4655994"/>
+            <a:ext cx="1260000" cy="1260000"/>
+            <a:chOff x="3770735" y="4655994"/>
+            <a:chExt cx="1260000" cy="1260000"/>
+          </a:xfrm>
+        </p:grpSpPr>
+        <p:sp>
+          <p:nvSpPr>
+            <p:cNvPr id="31" name="Ovale 30"/>
+            <p:cNvSpPr/>
+            <p:nvPr/>
+          </p:nvSpPr>
+          <p:spPr>
+            <a:xfrm>
+              <a:off x="3770735" y="4655994"/>
+              <a:ext cx="1260000" cy="1260000"/>
+            </a:xfrm>
+            <a:prstGeom prst="ellipse">
+              <a:avLst/>
+            </a:prstGeom>
+            <a:pattFill prst="wdUpDiag">
+              <a:fgClr>
+                <a:srgbClr val="3E3E3E"/>
+              </a:fgClr>
+              <a:bgClr>
+                <a:srgbClr val="4A4B4D"/>
+              </a:bgClr>
+            </a:pattFill>
+            <a:ln>
+              <a:noFill/>
+            </a:ln>
+          </p:spPr>
+          <p:style>
+            <a:lnRef idx="2">
+              <a:schemeClr val="accent1">
+                <a:shade val="50000"/>
+              </a:schemeClr>
+            </a:lnRef>
+            <a:fillRef idx="1">
+              <a:schemeClr val="accent1"/>
+            </a:fillRef>
+            <a:effectRef idx="0">
+              <a:schemeClr val="accent1"/>
+            </a:effectRef>
+            <a:fontRef idx="minor">
+              <a:schemeClr val="lt1"/>
+            </a:fontRef>
+          </p:style>
+          <p:txBody>
+            <a:bodyPr rtlCol="0" anchor="ctr"/>
+            <a:lstStyle/>
+            <a:p>
+              <a:pPr algn="ctr"/>
+              <a:endParaRPr lang="it-IT"/>
+            </a:p>
+          </p:txBody>
+        </p:sp>
+        <p:pic>
+          <p:nvPicPr>
+            <p:cNvPr id="10" name="Picture 2" descr="http://wp-tao.com/wp/wp-content/themes/wptao/img/icon-plugins.png"/>
+            <p:cNvPicPr>
+              <a:picLocks noChangeAspect="1" noChangeArrowheads="1"/>
+            </p:cNvPicPr>
+            <p:nvPr/>
+          </p:nvPicPr>
+          <p:blipFill>
+            <a:blip r:embed="rId18">
+              <a:biLevel thresh="25000"/>
+              <a:extLst>
+                <a:ext uri="{28A0092B-C50C-407E-A947-70E740481C1C}">
+                  <a14:useLocalDpi xmlns:a14="http://schemas.microsoft.com/office/drawing/2010/main" val="0"/>
+                </a:ext>
+              </a:extLst>
+            </a:blip>
+            <a:srcRect/>
+            <a:stretch>
+              <a:fillRect/>
+            </a:stretch>
+          </p:blipFill>
+          <p:spPr bwMode="auto">
+            <a:xfrm>
+              <a:off x="3982716" y="4871008"/>
+              <a:ext cx="837275" cy="837275"/>
             </a:xfrm>
             <a:prstGeom prst="rect">
               <a:avLst/>

--- a/images/icons.pptx
+++ b/images/icons.pptx
@@ -4325,6 +4325,65 @@
           </p:spPr>
         </p:pic>
       </p:grpSp>
+      <p:sp>
+        <p:nvSpPr>
+          <p:cNvPr id="38" name="Ovale 37"/>
+          <p:cNvSpPr/>
+          <p:nvPr/>
+        </p:nvSpPr>
+        <p:spPr>
+          <a:xfrm>
+            <a:off x="3856552" y="2969905"/>
+            <a:ext cx="1260000" cy="1260000"/>
+          </a:xfrm>
+          <a:prstGeom prst="ellipse">
+            <a:avLst/>
+          </a:prstGeom>
+          <a:pattFill prst="wdUpDiag">
+            <a:fgClr>
+              <a:srgbClr val="3E3E3E"/>
+            </a:fgClr>
+            <a:bgClr>
+              <a:srgbClr val="4A4B4D"/>
+            </a:bgClr>
+          </a:pattFill>
+          <a:ln>
+            <a:noFill/>
+          </a:ln>
+        </p:spPr>
+        <p:style>
+          <a:lnRef idx="2">
+            <a:schemeClr val="accent1">
+              <a:shade val="50000"/>
+            </a:schemeClr>
+          </a:lnRef>
+          <a:fillRef idx="1">
+            <a:schemeClr val="accent1"/>
+          </a:fillRef>
+          <a:effectRef idx="0">
+            <a:schemeClr val="accent1"/>
+          </a:effectRef>
+          <a:fontRef idx="minor">
+            <a:schemeClr val="lt1"/>
+          </a:fontRef>
+        </p:style>
+        <p:txBody>
+          <a:bodyPr lIns="0" rIns="216000" rtlCol="0" anchor="ctr"/>
+          <a:lstStyle/>
+          <a:p>
+            <a:pPr algn="ctr"/>
+            <a:r>
+              <a:rPr lang="it-IT" sz="8000" b="1" smtClean="0">
+                <a:latin typeface="Monotype Corsiva" panose="03010101010201010101" pitchFamily="66" charset="0"/>
+              </a:rPr>
+              <a:t>i</a:t>
+            </a:r>
+            <a:endParaRPr lang="it-IT" sz="8000" b="1">
+              <a:latin typeface="Monotype Corsiva" panose="03010101010201010101" pitchFamily="66" charset="0"/>
+            </a:endParaRPr>
+          </a:p>
+        </p:txBody>
+      </p:sp>
     </p:spTree>
     <p:extLst>
       <p:ext uri="{BB962C8B-B14F-4D97-AF65-F5344CB8AC3E}">
